--- a/jcgs-paper-2016/images/images.pptx
+++ b/jcgs-paper-2016/images/images.pptx
@@ -303,7 +303,7 @@
           <a:p>
             <a:fld id="{F74648D0-5642-438F-8F02-AC3B4D73B72D}" type="datetimeFigureOut">
               <a:rPr lang="en-US" smtClean="0"/>
-              <a:t>12/11/14</a:t>
+              <a:t>1/20/16</a:t>
             </a:fld>
             <a:endParaRPr lang="en-US"/>
           </a:p>
@@ -473,7 +473,7 @@
           <a:p>
             <a:fld id="{F74648D0-5642-438F-8F02-AC3B4D73B72D}" type="datetimeFigureOut">
               <a:rPr lang="en-US" smtClean="0"/>
-              <a:t>12/11/14</a:t>
+              <a:t>1/20/16</a:t>
             </a:fld>
             <a:endParaRPr lang="en-US"/>
           </a:p>
@@ -653,7 +653,7 @@
           <a:p>
             <a:fld id="{F74648D0-5642-438F-8F02-AC3B4D73B72D}" type="datetimeFigureOut">
               <a:rPr lang="en-US" smtClean="0"/>
-              <a:t>12/11/14</a:t>
+              <a:t>1/20/16</a:t>
             </a:fld>
             <a:endParaRPr lang="en-US"/>
           </a:p>
@@ -823,7 +823,7 @@
           <a:p>
             <a:fld id="{F74648D0-5642-438F-8F02-AC3B4D73B72D}" type="datetimeFigureOut">
               <a:rPr lang="en-US" smtClean="0"/>
-              <a:t>12/11/14</a:t>
+              <a:t>1/20/16</a:t>
             </a:fld>
             <a:endParaRPr lang="en-US"/>
           </a:p>
@@ -1069,7 +1069,7 @@
           <a:p>
             <a:fld id="{F74648D0-5642-438F-8F02-AC3B4D73B72D}" type="datetimeFigureOut">
               <a:rPr lang="en-US" smtClean="0"/>
-              <a:t>12/11/14</a:t>
+              <a:t>1/20/16</a:t>
             </a:fld>
             <a:endParaRPr lang="en-US"/>
           </a:p>
@@ -1357,7 +1357,7 @@
           <a:p>
             <a:fld id="{F74648D0-5642-438F-8F02-AC3B4D73B72D}" type="datetimeFigureOut">
               <a:rPr lang="en-US" smtClean="0"/>
-              <a:t>12/11/14</a:t>
+              <a:t>1/20/16</a:t>
             </a:fld>
             <a:endParaRPr lang="en-US"/>
           </a:p>
@@ -1779,7 +1779,7 @@
           <a:p>
             <a:fld id="{F74648D0-5642-438F-8F02-AC3B4D73B72D}" type="datetimeFigureOut">
               <a:rPr lang="en-US" smtClean="0"/>
-              <a:t>12/11/14</a:t>
+              <a:t>1/20/16</a:t>
             </a:fld>
             <a:endParaRPr lang="en-US"/>
           </a:p>
@@ -1897,7 +1897,7 @@
           <a:p>
             <a:fld id="{F74648D0-5642-438F-8F02-AC3B4D73B72D}" type="datetimeFigureOut">
               <a:rPr lang="en-US" smtClean="0"/>
-              <a:t>12/11/14</a:t>
+              <a:t>1/20/16</a:t>
             </a:fld>
             <a:endParaRPr lang="en-US"/>
           </a:p>
@@ -1992,7 +1992,7 @@
           <a:p>
             <a:fld id="{F74648D0-5642-438F-8F02-AC3B4D73B72D}" type="datetimeFigureOut">
               <a:rPr lang="en-US" smtClean="0"/>
-              <a:t>12/11/14</a:t>
+              <a:t>1/20/16</a:t>
             </a:fld>
             <a:endParaRPr lang="en-US"/>
           </a:p>
@@ -2269,7 +2269,7 @@
           <a:p>
             <a:fld id="{F74648D0-5642-438F-8F02-AC3B4D73B72D}" type="datetimeFigureOut">
               <a:rPr lang="en-US" smtClean="0"/>
-              <a:t>12/11/14</a:t>
+              <a:t>1/20/16</a:t>
             </a:fld>
             <a:endParaRPr lang="en-US"/>
           </a:p>
@@ -2522,7 +2522,7 @@
           <a:p>
             <a:fld id="{F74648D0-5642-438F-8F02-AC3B4D73B72D}" type="datetimeFigureOut">
               <a:rPr lang="en-US" smtClean="0"/>
-              <a:t>12/11/14</a:t>
+              <a:t>1/20/16</a:t>
             </a:fld>
             <a:endParaRPr lang="en-US"/>
           </a:p>
@@ -2735,7 +2735,7 @@
           <a:p>
             <a:fld id="{F74648D0-5642-438F-8F02-AC3B4D73B72D}" type="datetimeFigureOut">
               <a:rPr lang="en-US" smtClean="0"/>
-              <a:t>12/11/14</a:t>
+              <a:t>1/20/16</a:t>
             </a:fld>
             <a:endParaRPr lang="en-US"/>
           </a:p>
@@ -3703,264 +3703,11 @@
           </a:p>
         </p:txBody>
       </p:sp>
-      <p:sp>
-        <p:nvSpPr>
-          <p:cNvPr id="14" name="Snip Single Corner Rectangle 13"/>
-          <p:cNvSpPr/>
-          <p:nvPr/>
-        </p:nvSpPr>
-        <p:spPr>
-          <a:xfrm>
-            <a:off x="3458267" y="2755614"/>
-            <a:ext cx="2189019" cy="2224419"/>
-          </a:xfrm>
-          <a:prstGeom prst="snip1Rect">
-            <a:avLst/>
-          </a:prstGeom>
-          <a:solidFill>
-            <a:schemeClr val="bg1"/>
-          </a:solidFill>
-          <a:ln>
-            <a:solidFill>
-              <a:schemeClr val="bg1"/>
-            </a:solidFill>
-          </a:ln>
-        </p:spPr>
-        <p:style>
-          <a:lnRef idx="2">
-            <a:schemeClr val="accent1">
-              <a:shade val="50000"/>
-            </a:schemeClr>
-          </a:lnRef>
-          <a:fillRef idx="1">
-            <a:schemeClr val="accent1"/>
-          </a:fillRef>
-          <a:effectRef idx="0">
-            <a:schemeClr val="accent1"/>
-          </a:effectRef>
-          <a:fontRef idx="minor">
-            <a:schemeClr val="lt1"/>
-          </a:fontRef>
-        </p:style>
-        <p:txBody>
-          <a:bodyPr rtlCol="0" anchor="ctr"/>
-          <a:lstStyle/>
-          <a:p>
-            <a:pPr algn="ctr"/>
-            <a:endParaRPr lang="en-US" dirty="0"/>
-          </a:p>
-        </p:txBody>
-      </p:sp>
-      <p:sp>
-        <p:nvSpPr>
-          <p:cNvPr id="15" name="TextBox 14"/>
-          <p:cNvSpPr txBox="1"/>
-          <p:nvPr/>
-        </p:nvSpPr>
-        <p:spPr>
-          <a:xfrm>
-            <a:off x="3423632" y="2769469"/>
-            <a:ext cx="1981200" cy="381000"/>
-          </a:xfrm>
-          <a:prstGeom prst="rect">
-            <a:avLst/>
-          </a:prstGeom>
-          <a:noFill/>
-        </p:spPr>
-        <p:txBody>
-          <a:bodyPr wrap="square" rtlCol="0">
-            <a:spAutoFit/>
-          </a:bodyPr>
-          <a:lstStyle/>
-          <a:p>
-            <a:r>
-              <a:rPr lang="en-US" dirty="0" smtClean="0">
-                <a:solidFill>
-                  <a:schemeClr val="tx1">
-                    <a:lumMod val="65000"/>
-                    <a:lumOff val="35000"/>
-                  </a:schemeClr>
-                </a:solidFill>
-                <a:latin typeface="Cambria Math" panose="02040503050406030204" pitchFamily="18" charset="0"/>
-                <a:ea typeface="Cambria Math" panose="02040503050406030204" pitchFamily="18" charset="0"/>
-              </a:rPr>
-              <a:t>modules.txt</a:t>
-            </a:r>
-            <a:endParaRPr lang="en-US" dirty="0">
-              <a:solidFill>
-                <a:schemeClr val="tx1">
-                  <a:lumMod val="65000"/>
-                  <a:lumOff val="35000"/>
-                </a:schemeClr>
-              </a:solidFill>
-              <a:latin typeface="Cambria Math" panose="02040503050406030204" pitchFamily="18" charset="0"/>
-              <a:ea typeface="Cambria Math" panose="02040503050406030204" pitchFamily="18" charset="0"/>
-            </a:endParaRPr>
-          </a:p>
-        </p:txBody>
-      </p:sp>
-      <p:sp>
-        <p:nvSpPr>
-          <p:cNvPr id="19" name="TextBox 18"/>
-          <p:cNvSpPr txBox="1"/>
-          <p:nvPr/>
-        </p:nvSpPr>
-        <p:spPr>
-          <a:xfrm>
-            <a:off x="3458265" y="3286170"/>
-            <a:ext cx="2294805" cy="1615827"/>
-          </a:xfrm>
-          <a:prstGeom prst="rect">
-            <a:avLst/>
-          </a:prstGeom>
-          <a:noFill/>
-        </p:spPr>
-        <p:txBody>
-          <a:bodyPr wrap="square" rtlCol="0">
-            <a:spAutoFit/>
-          </a:bodyPr>
-          <a:lstStyle/>
-          <a:p>
-            <a:r>
-              <a:rPr lang="en-US" sz="1100" dirty="0" err="1" smtClean="0">
-                <a:latin typeface="Courier New" panose="02070309020205020404" pitchFamily="49" charset="0"/>
-                <a:cs typeface="Courier New" panose="02070309020205020404" pitchFamily="49" charset="0"/>
-              </a:rPr>
-              <a:t>heading,module</a:t>
-            </a:r>
-            <a:endParaRPr lang="en-US" sz="1100" dirty="0" smtClean="0">
-              <a:latin typeface="Courier New" panose="02070309020205020404" pitchFamily="49" charset="0"/>
-              <a:cs typeface="Courier New" panose="02070309020205020404" pitchFamily="49" charset="0"/>
-            </a:endParaRPr>
-          </a:p>
-          <a:p>
-            <a:r>
-              <a:rPr lang="en-US" sz="1100" dirty="0" err="1" smtClean="0">
-                <a:latin typeface="Courier New" panose="02070309020205020404" pitchFamily="49" charset="0"/>
-                <a:cs typeface="Courier New" panose="02070309020205020404" pitchFamily="49" charset="0"/>
-              </a:rPr>
-              <a:t>data,sources</a:t>
-            </a:r>
-            <a:endParaRPr lang="en-US" sz="1100" dirty="0" smtClean="0">
-              <a:latin typeface="Courier New" panose="02070309020205020404" pitchFamily="49" charset="0"/>
-              <a:cs typeface="Courier New" panose="02070309020205020404" pitchFamily="49" charset="0"/>
-            </a:endParaRPr>
-          </a:p>
-          <a:p>
-            <a:r>
-              <a:rPr lang="en-US" sz="1100" dirty="0" err="1" smtClean="0">
-                <a:latin typeface="Courier New" panose="02070309020205020404" pitchFamily="49" charset="0"/>
-                <a:cs typeface="Courier New" panose="02070309020205020404" pitchFamily="49" charset="0"/>
-              </a:rPr>
-              <a:t>data,transform</a:t>
-            </a:r>
-            <a:endParaRPr lang="en-US" sz="1100" dirty="0" smtClean="0">
-              <a:latin typeface="Courier New" panose="02070309020205020404" pitchFamily="49" charset="0"/>
-              <a:cs typeface="Courier New" panose="02070309020205020404" pitchFamily="49" charset="0"/>
-            </a:endParaRPr>
-          </a:p>
-          <a:p>
-            <a:r>
-              <a:rPr lang="en-US" sz="1100" dirty="0" err="1" smtClean="0">
-                <a:latin typeface="Courier New" panose="02070309020205020404" pitchFamily="49" charset="0"/>
-                <a:cs typeface="Courier New" panose="02070309020205020404" pitchFamily="49" charset="0"/>
-              </a:rPr>
-              <a:t>summaries,graphical</a:t>
-            </a:r>
-            <a:endParaRPr lang="en-US" sz="1100" dirty="0" smtClean="0">
-              <a:latin typeface="Courier New" panose="02070309020205020404" pitchFamily="49" charset="0"/>
-              <a:cs typeface="Courier New" panose="02070309020205020404" pitchFamily="49" charset="0"/>
-            </a:endParaRPr>
-          </a:p>
-          <a:p>
-            <a:r>
-              <a:rPr lang="en-US" sz="1100" dirty="0" err="1" smtClean="0">
-                <a:latin typeface="Courier New" panose="02070309020205020404" pitchFamily="49" charset="0"/>
-                <a:cs typeface="Courier New" panose="02070309020205020404" pitchFamily="49" charset="0"/>
-              </a:rPr>
-              <a:t>summaries,numerical</a:t>
-            </a:r>
-            <a:endParaRPr lang="en-US" sz="1100" dirty="0" smtClean="0">
-              <a:latin typeface="Courier New" panose="02070309020205020404" pitchFamily="49" charset="0"/>
-              <a:cs typeface="Courier New" panose="02070309020205020404" pitchFamily="49" charset="0"/>
-            </a:endParaRPr>
-          </a:p>
-          <a:p>
-            <a:r>
-              <a:rPr lang="en-US" sz="1100" dirty="0" err="1" smtClean="0">
-                <a:latin typeface="Courier New" panose="02070309020205020404" pitchFamily="49" charset="0"/>
-                <a:cs typeface="Courier New" panose="02070309020205020404" pitchFamily="49" charset="0"/>
-              </a:rPr>
-              <a:t>statistics,contingency</a:t>
-            </a:r>
-            <a:endParaRPr lang="en-US" sz="1100" dirty="0" smtClean="0">
-              <a:latin typeface="Courier New" panose="02070309020205020404" pitchFamily="49" charset="0"/>
-              <a:cs typeface="Courier New" panose="02070309020205020404" pitchFamily="49" charset="0"/>
-            </a:endParaRPr>
-          </a:p>
-          <a:p>
-            <a:r>
-              <a:rPr lang="en-US" sz="1100" dirty="0" err="1" smtClean="0">
-                <a:latin typeface="Courier New" panose="02070309020205020404" pitchFamily="49" charset="0"/>
-                <a:cs typeface="Courier New" panose="02070309020205020404" pitchFamily="49" charset="0"/>
-              </a:rPr>
-              <a:t>statistics,regression</a:t>
-            </a:r>
-            <a:endParaRPr lang="en-US" sz="1100" dirty="0" smtClean="0">
-              <a:latin typeface="Courier New" panose="02070309020205020404" pitchFamily="49" charset="0"/>
-              <a:cs typeface="Courier New" panose="02070309020205020404" pitchFamily="49" charset="0"/>
-            </a:endParaRPr>
-          </a:p>
-          <a:p>
-            <a:r>
-              <a:rPr lang="en-US" sz="1100" dirty="0" err="1" smtClean="0">
-                <a:latin typeface="Courier New" panose="02070309020205020404" pitchFamily="49" charset="0"/>
-                <a:cs typeface="Courier New" panose="02070309020205020404" pitchFamily="49" charset="0"/>
-              </a:rPr>
-              <a:t>statistics,t_test</a:t>
-            </a:r>
-            <a:endParaRPr lang="en-US" sz="1100" dirty="0" smtClean="0">
-              <a:latin typeface="Courier New" panose="02070309020205020404" pitchFamily="49" charset="0"/>
-              <a:cs typeface="Courier New" panose="02070309020205020404" pitchFamily="49" charset="0"/>
-            </a:endParaRPr>
-          </a:p>
-          <a:p>
-            <a:r>
-              <a:rPr lang="en-US" sz="1100" dirty="0" err="1">
-                <a:solidFill>
-                  <a:srgbClr val="FF0000"/>
-                </a:solidFill>
-                <a:latin typeface="Courier New" panose="02070309020205020404" pitchFamily="49" charset="0"/>
-                <a:cs typeface="Courier New" panose="02070309020205020404" pitchFamily="49" charset="0"/>
-              </a:rPr>
-              <a:t>s</a:t>
-            </a:r>
-            <a:r>
-              <a:rPr lang="en-US" sz="1100" dirty="0" err="1" smtClean="0">
-                <a:solidFill>
-                  <a:srgbClr val="FF0000"/>
-                </a:solidFill>
-                <a:latin typeface="Courier New" panose="02070309020205020404" pitchFamily="49" charset="0"/>
-                <a:cs typeface="Courier New" panose="02070309020205020404" pitchFamily="49" charset="0"/>
-              </a:rPr>
-              <a:t>tatistics,nonparametric</a:t>
-            </a:r>
-            <a:endParaRPr lang="en-US" sz="1100" dirty="0">
-              <a:solidFill>
-                <a:srgbClr val="FF0000"/>
-              </a:solidFill>
-              <a:latin typeface="Courier New" panose="02070309020205020404" pitchFamily="49" charset="0"/>
-              <a:cs typeface="Courier New" panose="02070309020205020404" pitchFamily="49" charset="0"/>
-            </a:endParaRPr>
-          </a:p>
-        </p:txBody>
-      </p:sp>
       <p:cxnSp>
         <p:nvCxnSpPr>
           <p:cNvPr id="22" name="Curved Connector 21"/>
           <p:cNvCxnSpPr>
             <a:stCxn id="12" idx="1"/>
-            <a:endCxn id="14" idx="2"/>
           </p:cNvCxnSpPr>
           <p:nvPr/>
         </p:nvCxnSpPr>
@@ -4006,7 +3753,6 @@
           <p:cNvPr id="25" name="Curved Connector 24"/>
           <p:cNvCxnSpPr>
             <a:stCxn id="13" idx="3"/>
-            <a:endCxn id="14" idx="0"/>
           </p:cNvCxnSpPr>
           <p:nvPr/>
         </p:nvCxnSpPr>
@@ -4413,7 +4159,7 @@
                 <a:latin typeface="Cambria Math" panose="02040503050406030204" pitchFamily="18" charset="0"/>
                 <a:ea typeface="Cambria Math" panose="02040503050406030204" pitchFamily="18" charset="0"/>
               </a:rPr>
-              <a:t>static.R</a:t>
+              <a:t>libraries.R</a:t>
             </a:r>
             <a:endParaRPr lang="en-US" sz="1400" dirty="0" smtClean="0">
               <a:solidFill>
@@ -5870,6 +5616,315 @@
           </a:p>
         </p:txBody>
       </p:sp>
+      <p:sp>
+        <p:nvSpPr>
+          <p:cNvPr id="2" name="Multidocument 1"/>
+          <p:cNvSpPr/>
+          <p:nvPr/>
+        </p:nvSpPr>
+        <p:spPr>
+          <a:xfrm>
+            <a:off x="3308382" y="2874385"/>
+            <a:ext cx="2673439" cy="2423173"/>
+          </a:xfrm>
+          <a:prstGeom prst="flowChartMultidocument">
+            <a:avLst/>
+          </a:prstGeom>
+          <a:solidFill>
+            <a:schemeClr val="bg1"/>
+          </a:solidFill>
+          <a:ln>
+            <a:solidFill>
+              <a:schemeClr val="tx1">
+                <a:lumMod val="50000"/>
+                <a:lumOff val="50000"/>
+              </a:schemeClr>
+            </a:solidFill>
+          </a:ln>
+        </p:spPr>
+        <p:style>
+          <a:lnRef idx="1">
+            <a:schemeClr val="accent1"/>
+          </a:lnRef>
+          <a:fillRef idx="3">
+            <a:schemeClr val="accent1"/>
+          </a:fillRef>
+          <a:effectRef idx="2">
+            <a:schemeClr val="accent1"/>
+          </a:effectRef>
+          <a:fontRef idx="minor">
+            <a:schemeClr val="lt1"/>
+          </a:fontRef>
+        </p:style>
+        <p:txBody>
+          <a:bodyPr rtlCol="0" anchor="ctr"/>
+          <a:lstStyle/>
+          <a:p>
+            <a:pPr algn="ctr"/>
+            <a:endParaRPr lang="en-US"/>
+          </a:p>
+        </p:txBody>
+      </p:sp>
+      <p:sp>
+        <p:nvSpPr>
+          <p:cNvPr id="36" name="TextBox 35"/>
+          <p:cNvSpPr txBox="1"/>
+          <p:nvPr/>
+        </p:nvSpPr>
+        <p:spPr>
+          <a:xfrm>
+            <a:off x="3293194" y="3304883"/>
+            <a:ext cx="2294805" cy="1615827"/>
+          </a:xfrm>
+          <a:prstGeom prst="rect">
+            <a:avLst/>
+          </a:prstGeom>
+          <a:noFill/>
+        </p:spPr>
+        <p:txBody>
+          <a:bodyPr wrap="square" rtlCol="0">
+            <a:spAutoFit/>
+          </a:bodyPr>
+          <a:lstStyle/>
+          <a:p>
+            <a:r>
+              <a:rPr lang="en-US" sz="1100" dirty="0">
+                <a:latin typeface="Courier New" panose="02070309020205020404" pitchFamily="49" charset="0"/>
+                <a:cs typeface="Courier New" panose="02070309020205020404" pitchFamily="49" charset="0"/>
+              </a:rPr>
+              <a:t>h</a:t>
+            </a:r>
+            <a:r>
+              <a:rPr lang="en-US" sz="1100" dirty="0" smtClean="0">
+                <a:latin typeface="Courier New" panose="02070309020205020404" pitchFamily="49" charset="0"/>
+                <a:cs typeface="Courier New" panose="02070309020205020404" pitchFamily="49" charset="0"/>
+              </a:rPr>
+              <a:t>eading/module</a:t>
+            </a:r>
+            <a:endParaRPr lang="en-US" sz="1100" dirty="0" smtClean="0">
+              <a:latin typeface="Courier New" panose="02070309020205020404" pitchFamily="49" charset="0"/>
+              <a:cs typeface="Courier New" panose="02070309020205020404" pitchFamily="49" charset="0"/>
+            </a:endParaRPr>
+          </a:p>
+          <a:p>
+            <a:r>
+              <a:rPr lang="en-US" sz="1100" dirty="0">
+                <a:latin typeface="Courier New" panose="02070309020205020404" pitchFamily="49" charset="0"/>
+                <a:cs typeface="Courier New" panose="02070309020205020404" pitchFamily="49" charset="0"/>
+              </a:rPr>
+              <a:t>d</a:t>
+            </a:r>
+            <a:r>
+              <a:rPr lang="en-US" sz="1100" dirty="0" smtClean="0">
+                <a:latin typeface="Courier New" panose="02070309020205020404" pitchFamily="49" charset="0"/>
+                <a:cs typeface="Courier New" panose="02070309020205020404" pitchFamily="49" charset="0"/>
+              </a:rPr>
+              <a:t>ata/sources</a:t>
+            </a:r>
+            <a:endParaRPr lang="en-US" sz="1100" dirty="0" smtClean="0">
+              <a:latin typeface="Courier New" panose="02070309020205020404" pitchFamily="49" charset="0"/>
+              <a:cs typeface="Courier New" panose="02070309020205020404" pitchFamily="49" charset="0"/>
+            </a:endParaRPr>
+          </a:p>
+          <a:p>
+            <a:r>
+              <a:rPr lang="en-US" sz="1100" dirty="0">
+                <a:latin typeface="Courier New" panose="02070309020205020404" pitchFamily="49" charset="0"/>
+                <a:cs typeface="Courier New" panose="02070309020205020404" pitchFamily="49" charset="0"/>
+              </a:rPr>
+              <a:t>d</a:t>
+            </a:r>
+            <a:r>
+              <a:rPr lang="en-US" sz="1100" dirty="0" smtClean="0">
+                <a:latin typeface="Courier New" panose="02070309020205020404" pitchFamily="49" charset="0"/>
+                <a:cs typeface="Courier New" panose="02070309020205020404" pitchFamily="49" charset="0"/>
+              </a:rPr>
+              <a:t>ata/transform</a:t>
+            </a:r>
+            <a:endParaRPr lang="en-US" sz="1100" dirty="0" smtClean="0">
+              <a:latin typeface="Courier New" panose="02070309020205020404" pitchFamily="49" charset="0"/>
+              <a:cs typeface="Courier New" panose="02070309020205020404" pitchFamily="49" charset="0"/>
+            </a:endParaRPr>
+          </a:p>
+          <a:p>
+            <a:r>
+              <a:rPr lang="en-US" sz="1100" dirty="0">
+                <a:latin typeface="Courier New" panose="02070309020205020404" pitchFamily="49" charset="0"/>
+                <a:cs typeface="Courier New" panose="02070309020205020404" pitchFamily="49" charset="0"/>
+              </a:rPr>
+              <a:t>s</a:t>
+            </a:r>
+            <a:r>
+              <a:rPr lang="en-US" sz="1100" dirty="0" smtClean="0">
+                <a:latin typeface="Courier New" panose="02070309020205020404" pitchFamily="49" charset="0"/>
+                <a:cs typeface="Courier New" panose="02070309020205020404" pitchFamily="49" charset="0"/>
+              </a:rPr>
+              <a:t>ummaries/graphical</a:t>
+            </a:r>
+            <a:endParaRPr lang="en-US" sz="1100" dirty="0" smtClean="0">
+              <a:latin typeface="Courier New" panose="02070309020205020404" pitchFamily="49" charset="0"/>
+              <a:cs typeface="Courier New" panose="02070309020205020404" pitchFamily="49" charset="0"/>
+            </a:endParaRPr>
+          </a:p>
+          <a:p>
+            <a:r>
+              <a:rPr lang="en-US" sz="1100" dirty="0" smtClean="0">
+                <a:latin typeface="Courier New" panose="02070309020205020404" pitchFamily="49" charset="0"/>
+                <a:cs typeface="Courier New" panose="02070309020205020404" pitchFamily="49" charset="0"/>
+              </a:rPr>
+              <a:t>Summaries/numerical</a:t>
+            </a:r>
+            <a:endParaRPr lang="en-US" sz="1100" dirty="0" smtClean="0">
+              <a:latin typeface="Courier New" panose="02070309020205020404" pitchFamily="49" charset="0"/>
+              <a:cs typeface="Courier New" panose="02070309020205020404" pitchFamily="49" charset="0"/>
+            </a:endParaRPr>
+          </a:p>
+          <a:p>
+            <a:r>
+              <a:rPr lang="en-US" sz="1100" dirty="0">
+                <a:latin typeface="Courier New" panose="02070309020205020404" pitchFamily="49" charset="0"/>
+                <a:cs typeface="Courier New" panose="02070309020205020404" pitchFamily="49" charset="0"/>
+              </a:rPr>
+              <a:t>s</a:t>
+            </a:r>
+            <a:r>
+              <a:rPr lang="en-US" sz="1100" dirty="0" smtClean="0">
+                <a:latin typeface="Courier New" panose="02070309020205020404" pitchFamily="49" charset="0"/>
+                <a:cs typeface="Courier New" panose="02070309020205020404" pitchFamily="49" charset="0"/>
+              </a:rPr>
+              <a:t>tatistics/contingency</a:t>
+            </a:r>
+            <a:endParaRPr lang="en-US" sz="1100" dirty="0" smtClean="0">
+              <a:latin typeface="Courier New" panose="02070309020205020404" pitchFamily="49" charset="0"/>
+              <a:cs typeface="Courier New" panose="02070309020205020404" pitchFamily="49" charset="0"/>
+            </a:endParaRPr>
+          </a:p>
+          <a:p>
+            <a:r>
+              <a:rPr lang="en-US" sz="1100" dirty="0">
+                <a:latin typeface="Courier New" panose="02070309020205020404" pitchFamily="49" charset="0"/>
+                <a:cs typeface="Courier New" panose="02070309020205020404" pitchFamily="49" charset="0"/>
+              </a:rPr>
+              <a:t>s</a:t>
+            </a:r>
+            <a:r>
+              <a:rPr lang="en-US" sz="1100" dirty="0" smtClean="0">
+                <a:latin typeface="Courier New" panose="02070309020205020404" pitchFamily="49" charset="0"/>
+                <a:cs typeface="Courier New" panose="02070309020205020404" pitchFamily="49" charset="0"/>
+              </a:rPr>
+              <a:t>tatistics/regression</a:t>
+            </a:r>
+            <a:endParaRPr lang="en-US" sz="1100" dirty="0" smtClean="0">
+              <a:latin typeface="Courier New" panose="02070309020205020404" pitchFamily="49" charset="0"/>
+              <a:cs typeface="Courier New" panose="02070309020205020404" pitchFamily="49" charset="0"/>
+            </a:endParaRPr>
+          </a:p>
+          <a:p>
+            <a:r>
+              <a:rPr lang="en-US" sz="1100" dirty="0">
+                <a:latin typeface="Courier New" panose="02070309020205020404" pitchFamily="49" charset="0"/>
+                <a:cs typeface="Courier New" panose="02070309020205020404" pitchFamily="49" charset="0"/>
+              </a:rPr>
+              <a:t>s</a:t>
+            </a:r>
+            <a:r>
+              <a:rPr lang="en-US" sz="1100" dirty="0" smtClean="0">
+                <a:latin typeface="Courier New" panose="02070309020205020404" pitchFamily="49" charset="0"/>
+                <a:cs typeface="Courier New" panose="02070309020205020404" pitchFamily="49" charset="0"/>
+              </a:rPr>
+              <a:t>tatistics/</a:t>
+            </a:r>
+            <a:r>
+              <a:rPr lang="en-US" sz="1100" dirty="0" err="1" smtClean="0">
+                <a:latin typeface="Courier New" panose="02070309020205020404" pitchFamily="49" charset="0"/>
+                <a:cs typeface="Courier New" panose="02070309020205020404" pitchFamily="49" charset="0"/>
+              </a:rPr>
+              <a:t>t_test</a:t>
+            </a:r>
+            <a:endParaRPr lang="en-US" sz="1100" dirty="0" smtClean="0">
+              <a:latin typeface="Courier New" panose="02070309020205020404" pitchFamily="49" charset="0"/>
+              <a:cs typeface="Courier New" panose="02070309020205020404" pitchFamily="49" charset="0"/>
+            </a:endParaRPr>
+          </a:p>
+          <a:p>
+            <a:r>
+              <a:rPr lang="en-US" sz="1100" dirty="0">
+                <a:solidFill>
+                  <a:srgbClr val="FF0000"/>
+                </a:solidFill>
+                <a:latin typeface="Courier New" panose="02070309020205020404" pitchFamily="49" charset="0"/>
+                <a:cs typeface="Courier New" panose="02070309020205020404" pitchFamily="49" charset="0"/>
+              </a:rPr>
+              <a:t>s</a:t>
+            </a:r>
+            <a:r>
+              <a:rPr lang="en-US" sz="1100" dirty="0" smtClean="0">
+                <a:solidFill>
+                  <a:srgbClr val="FF0000"/>
+                </a:solidFill>
+                <a:latin typeface="Courier New" panose="02070309020205020404" pitchFamily="49" charset="0"/>
+                <a:cs typeface="Courier New" panose="02070309020205020404" pitchFamily="49" charset="0"/>
+              </a:rPr>
+              <a:t>tatistics/nonparametric</a:t>
+            </a:r>
+            <a:endParaRPr lang="en-US" sz="1100" dirty="0">
+              <a:solidFill>
+                <a:srgbClr val="FF0000"/>
+              </a:solidFill>
+              <a:latin typeface="Courier New" panose="02070309020205020404" pitchFamily="49" charset="0"/>
+              <a:cs typeface="Courier New" panose="02070309020205020404" pitchFamily="49" charset="0"/>
+            </a:endParaRPr>
+          </a:p>
+        </p:txBody>
+      </p:sp>
+      <p:sp>
+        <p:nvSpPr>
+          <p:cNvPr id="40" name="TextBox 39"/>
+          <p:cNvSpPr txBox="1"/>
+          <p:nvPr/>
+        </p:nvSpPr>
+        <p:spPr>
+          <a:xfrm>
+            <a:off x="3659577" y="2487374"/>
+            <a:ext cx="1981200" cy="381000"/>
+          </a:xfrm>
+          <a:prstGeom prst="rect">
+            <a:avLst/>
+          </a:prstGeom>
+          <a:noFill/>
+        </p:spPr>
+        <p:txBody>
+          <a:bodyPr wrap="square" rtlCol="0">
+            <a:spAutoFit/>
+          </a:bodyPr>
+          <a:lstStyle/>
+          <a:p>
+            <a:r>
+              <a:rPr lang="en-US" dirty="0" smtClean="0">
+                <a:solidFill>
+                  <a:schemeClr val="tx1">
+                    <a:lumMod val="65000"/>
+                    <a:lumOff val="35000"/>
+                  </a:schemeClr>
+                </a:solidFill>
+                <a:latin typeface="Cambria Math" panose="02040503050406030204" pitchFamily="18" charset="0"/>
+                <a:ea typeface="Cambria Math" panose="02040503050406030204" pitchFamily="18" charset="0"/>
+              </a:rPr>
+              <a:t>modules</a:t>
+            </a:r>
+            <a:endParaRPr lang="en-US" dirty="0">
+              <a:solidFill>
+                <a:schemeClr val="tx1">
+                  <a:lumMod val="65000"/>
+                  <a:lumOff val="35000"/>
+                </a:schemeClr>
+              </a:solidFill>
+              <a:latin typeface="Cambria Math" panose="02040503050406030204" pitchFamily="18" charset="0"/>
+              <a:ea typeface="Cambria Math" panose="02040503050406030204" pitchFamily="18" charset="0"/>
+            </a:endParaRPr>
+          </a:p>
+        </p:txBody>
+      </p:sp>
     </p:spTree>
     <p:extLst>
       <p:ext uri="{BB962C8B-B14F-4D97-AF65-F5344CB8AC3E}">
@@ -5915,7 +5970,7 @@
           </p:cNvPicPr>
           <p:nvPr/>
         </p:nvPicPr>
-        <p:blipFill>
+        <p:blipFill rotWithShape="1">
           <a:blip r:embed="rId2">
             <a:extLst>
               <a:ext uri="{28A0092B-C50C-407E-A947-70E740481C1C}">
@@ -5923,14 +5978,13 @@
               </a:ext>
             </a:extLst>
           </a:blip>
-          <a:stretch>
-            <a:fillRect/>
-          </a:stretch>
+          <a:srcRect l="3676" t="3031" r="3682" b="7632"/>
+          <a:stretch/>
         </p:blipFill>
         <p:spPr>
           <a:xfrm>
-            <a:off x="15010" y="635000"/>
-            <a:ext cx="9144000" cy="5715001"/>
+            <a:off x="1" y="476289"/>
+            <a:ext cx="9144000" cy="5273204"/>
           </a:xfrm>
           <a:prstGeom prst="rect">
             <a:avLst/>
@@ -5946,7 +6000,7 @@
         <p:spPr>
           <a:xfrm>
             <a:off x="0" y="1090331"/>
-            <a:ext cx="9144000" cy="371431"/>
+            <a:ext cx="9144000" cy="305673"/>
           </a:xfrm>
           <a:prstGeom prst="rect">
             <a:avLst/>
@@ -6010,8 +6064,8 @@
         </p:nvSpPr>
         <p:spPr>
           <a:xfrm>
-            <a:off x="0" y="1461762"/>
-            <a:ext cx="1545465" cy="3859538"/>
+            <a:off x="0" y="1396004"/>
+            <a:ext cx="1545465" cy="2750022"/>
           </a:xfrm>
           <a:prstGeom prst="rect">
             <a:avLst/>
@@ -6069,8 +6123,8 @@
         </p:nvSpPr>
         <p:spPr>
           <a:xfrm>
-            <a:off x="1545465" y="1461762"/>
-            <a:ext cx="2551814" cy="3859538"/>
+            <a:off x="1545465" y="1396004"/>
+            <a:ext cx="2551814" cy="2750022"/>
           </a:xfrm>
           <a:prstGeom prst="rect">
             <a:avLst/>
@@ -6134,8 +6188,8 @@
         </p:nvSpPr>
         <p:spPr>
           <a:xfrm>
-            <a:off x="4097278" y="1461762"/>
-            <a:ext cx="5046721" cy="3859538"/>
+            <a:off x="4097278" y="1396004"/>
+            <a:ext cx="5046721" cy="2750022"/>
           </a:xfrm>
           <a:prstGeom prst="rect">
             <a:avLst/>
@@ -6199,8 +6253,8 @@
         </p:nvSpPr>
         <p:spPr>
           <a:xfrm>
-            <a:off x="0" y="5321300"/>
-            <a:ext cx="9144000" cy="1028701"/>
+            <a:off x="0" y="4156244"/>
+            <a:ext cx="9144000" cy="1553727"/>
           </a:xfrm>
           <a:prstGeom prst="rect">
             <a:avLst/>
@@ -6363,7 +6417,7 @@
         </p:nvGrpSpPr>
         <p:grpSpPr>
           <a:xfrm>
-            <a:off x="-131786" y="1313372"/>
+            <a:off x="-131786" y="1260892"/>
             <a:ext cx="371391" cy="298288"/>
             <a:chOff x="3426379" y="179720"/>
             <a:chExt cx="371391" cy="298288"/>
@@ -6462,7 +6516,7 @@
         </p:nvGrpSpPr>
         <p:grpSpPr>
           <a:xfrm>
-            <a:off x="1407691" y="1313372"/>
+            <a:off x="1407691" y="1260892"/>
             <a:ext cx="371391" cy="298288"/>
             <a:chOff x="3426379" y="179720"/>
             <a:chExt cx="371391" cy="298288"/>
@@ -6561,7 +6615,7 @@
         </p:nvGrpSpPr>
         <p:grpSpPr>
           <a:xfrm>
-            <a:off x="3959503" y="1313372"/>
+            <a:off x="3959503" y="1260892"/>
             <a:ext cx="371391" cy="298288"/>
             <a:chOff x="3426379" y="179720"/>
             <a:chExt cx="371391" cy="298288"/>
@@ -6655,7 +6709,7 @@
         </p:nvGrpSpPr>
         <p:grpSpPr>
           <a:xfrm>
-            <a:off x="-131786" y="5131147"/>
+            <a:off x="-131786" y="3997579"/>
             <a:ext cx="371391" cy="298288"/>
             <a:chOff x="3426379" y="179720"/>
             <a:chExt cx="371391" cy="298288"/>

--- a/jcgs-paper-2016/images/images.pptx
+++ b/jcgs-paper-2016/images/images.pptx
@@ -5081,7 +5081,7 @@
         </p:nvSpPr>
         <p:spPr>
           <a:xfrm>
-            <a:off x="221591" y="1200190"/>
+            <a:off x="164891" y="1200190"/>
             <a:ext cx="2590799" cy="307777"/>
           </a:xfrm>
           <a:prstGeom prst="rect">
@@ -5106,7 +5106,20 @@
                 <a:latin typeface="Cambria Math" panose="02040503050406030204" pitchFamily="18" charset="0"/>
                 <a:ea typeface="Cambria Math" panose="02040503050406030204" pitchFamily="18" charset="0"/>
               </a:rPr>
-              <a:t>modules/nonparametric/</a:t>
+              <a:t>statistics/</a:t>
+            </a:r>
+            <a:r>
+              <a:rPr lang="en-US" sz="1400" dirty="0" smtClean="0">
+                <a:solidFill>
+                  <a:schemeClr val="tx1">
+                    <a:lumMod val="65000"/>
+                    <a:lumOff val="35000"/>
+                  </a:schemeClr>
+                </a:solidFill>
+                <a:latin typeface="Cambria Math" panose="02040503050406030204" pitchFamily="18" charset="0"/>
+                <a:ea typeface="Cambria Math" panose="02040503050406030204" pitchFamily="18" charset="0"/>
+              </a:rPr>
+              <a:t>nonparametric/</a:t>
             </a:r>
             <a:endParaRPr lang="en-US" sz="1400" dirty="0">
               <a:solidFill>
@@ -5154,7 +5167,20 @@
                 <a:latin typeface="Cambria Math" panose="02040503050406030204" pitchFamily="18" charset="0"/>
                 <a:ea typeface="Cambria Math" panose="02040503050406030204" pitchFamily="18" charset="0"/>
               </a:rPr>
-              <a:t>modules/nonparametric/</a:t>
+              <a:t>statistics/</a:t>
+            </a:r>
+            <a:r>
+              <a:rPr lang="en-US" sz="1400" dirty="0" smtClean="0">
+                <a:solidFill>
+                  <a:schemeClr val="tx1">
+                    <a:lumMod val="65000"/>
+                    <a:lumOff val="35000"/>
+                  </a:schemeClr>
+                </a:solidFill>
+                <a:latin typeface="Cambria Math" panose="02040503050406030204" pitchFamily="18" charset="0"/>
+                <a:ea typeface="Cambria Math" panose="02040503050406030204" pitchFamily="18" charset="0"/>
+              </a:rPr>
+              <a:t>nonparametric/</a:t>
             </a:r>
             <a:endParaRPr lang="en-US" sz="1400" dirty="0">
               <a:solidFill>
@@ -5701,10 +5727,6 @@
               </a:rPr>
               <a:t>eading/module</a:t>
             </a:r>
-            <a:endParaRPr lang="en-US" sz="1100" dirty="0" smtClean="0">
-              <a:latin typeface="Courier New" panose="02070309020205020404" pitchFamily="49" charset="0"/>
-              <a:cs typeface="Courier New" panose="02070309020205020404" pitchFamily="49" charset="0"/>
-            </a:endParaRPr>
           </a:p>
           <a:p>
             <a:r>
@@ -5721,10 +5743,6 @@
               </a:rPr>
               <a:t>ata/sources</a:t>
             </a:r>
-            <a:endParaRPr lang="en-US" sz="1100" dirty="0" smtClean="0">
-              <a:latin typeface="Courier New" panose="02070309020205020404" pitchFamily="49" charset="0"/>
-              <a:cs typeface="Courier New" panose="02070309020205020404" pitchFamily="49" charset="0"/>
-            </a:endParaRPr>
           </a:p>
           <a:p>
             <a:r>
@@ -5741,10 +5759,6 @@
               </a:rPr>
               <a:t>ata/transform</a:t>
             </a:r>
-            <a:endParaRPr lang="en-US" sz="1100" dirty="0" smtClean="0">
-              <a:latin typeface="Courier New" panose="02070309020205020404" pitchFamily="49" charset="0"/>
-              <a:cs typeface="Courier New" panose="02070309020205020404" pitchFamily="49" charset="0"/>
-            </a:endParaRPr>
           </a:p>
           <a:p>
             <a:r>
@@ -5761,10 +5775,6 @@
               </a:rPr>
               <a:t>ummaries/graphical</a:t>
             </a:r>
-            <a:endParaRPr lang="en-US" sz="1100" dirty="0" smtClean="0">
-              <a:latin typeface="Courier New" panose="02070309020205020404" pitchFamily="49" charset="0"/>
-              <a:cs typeface="Courier New" panose="02070309020205020404" pitchFamily="49" charset="0"/>
-            </a:endParaRPr>
           </a:p>
           <a:p>
             <a:r>
@@ -5774,10 +5784,6 @@
               </a:rPr>
               <a:t>Summaries/numerical</a:t>
             </a:r>
-            <a:endParaRPr lang="en-US" sz="1100" dirty="0" smtClean="0">
-              <a:latin typeface="Courier New" panose="02070309020205020404" pitchFamily="49" charset="0"/>
-              <a:cs typeface="Courier New" panose="02070309020205020404" pitchFamily="49" charset="0"/>
-            </a:endParaRPr>
           </a:p>
           <a:p>
             <a:r>
@@ -5794,10 +5800,6 @@
               </a:rPr>
               <a:t>tatistics/contingency</a:t>
             </a:r>
-            <a:endParaRPr lang="en-US" sz="1100" dirty="0" smtClean="0">
-              <a:latin typeface="Courier New" panose="02070309020205020404" pitchFamily="49" charset="0"/>
-              <a:cs typeface="Courier New" panose="02070309020205020404" pitchFamily="49" charset="0"/>
-            </a:endParaRPr>
           </a:p>
           <a:p>
             <a:r>
@@ -5814,10 +5816,6 @@
               </a:rPr>
               <a:t>tatistics/regression</a:t>
             </a:r>
-            <a:endParaRPr lang="en-US" sz="1100" dirty="0" smtClean="0">
-              <a:latin typeface="Courier New" panose="02070309020205020404" pitchFamily="49" charset="0"/>
-              <a:cs typeface="Courier New" panose="02070309020205020404" pitchFamily="49" charset="0"/>
-            </a:endParaRPr>
           </a:p>
           <a:p>
             <a:r>

--- a/jcgs-paper-2016/images/images.pptx
+++ b/jcgs-paper-2016/images/images.pptx
@@ -303,7 +303,7 @@
           <a:p>
             <a:fld id="{F74648D0-5642-438F-8F02-AC3B4D73B72D}" type="datetimeFigureOut">
               <a:rPr lang="en-US" smtClean="0"/>
-              <a:t>1/20/16</a:t>
+              <a:t>6/6/16</a:t>
             </a:fld>
             <a:endParaRPr lang="en-US"/>
           </a:p>
@@ -473,7 +473,7 @@
           <a:p>
             <a:fld id="{F74648D0-5642-438F-8F02-AC3B4D73B72D}" type="datetimeFigureOut">
               <a:rPr lang="en-US" smtClean="0"/>
-              <a:t>1/20/16</a:t>
+              <a:t>6/6/16</a:t>
             </a:fld>
             <a:endParaRPr lang="en-US"/>
           </a:p>
@@ -653,7 +653,7 @@
           <a:p>
             <a:fld id="{F74648D0-5642-438F-8F02-AC3B4D73B72D}" type="datetimeFigureOut">
               <a:rPr lang="en-US" smtClean="0"/>
-              <a:t>1/20/16</a:t>
+              <a:t>6/6/16</a:t>
             </a:fld>
             <a:endParaRPr lang="en-US"/>
           </a:p>
@@ -823,7 +823,7 @@
           <a:p>
             <a:fld id="{F74648D0-5642-438F-8F02-AC3B4D73B72D}" type="datetimeFigureOut">
               <a:rPr lang="en-US" smtClean="0"/>
-              <a:t>1/20/16</a:t>
+              <a:t>6/6/16</a:t>
             </a:fld>
             <a:endParaRPr lang="en-US"/>
           </a:p>
@@ -1069,7 +1069,7 @@
           <a:p>
             <a:fld id="{F74648D0-5642-438F-8F02-AC3B4D73B72D}" type="datetimeFigureOut">
               <a:rPr lang="en-US" smtClean="0"/>
-              <a:t>1/20/16</a:t>
+              <a:t>6/6/16</a:t>
             </a:fld>
             <a:endParaRPr lang="en-US"/>
           </a:p>
@@ -1357,7 +1357,7 @@
           <a:p>
             <a:fld id="{F74648D0-5642-438F-8F02-AC3B4D73B72D}" type="datetimeFigureOut">
               <a:rPr lang="en-US" smtClean="0"/>
-              <a:t>1/20/16</a:t>
+              <a:t>6/6/16</a:t>
             </a:fld>
             <a:endParaRPr lang="en-US"/>
           </a:p>
@@ -1779,7 +1779,7 @@
           <a:p>
             <a:fld id="{F74648D0-5642-438F-8F02-AC3B4D73B72D}" type="datetimeFigureOut">
               <a:rPr lang="en-US" smtClean="0"/>
-              <a:t>1/20/16</a:t>
+              <a:t>6/6/16</a:t>
             </a:fld>
             <a:endParaRPr lang="en-US"/>
           </a:p>
@@ -1897,7 +1897,7 @@
           <a:p>
             <a:fld id="{F74648D0-5642-438F-8F02-AC3B4D73B72D}" type="datetimeFigureOut">
               <a:rPr lang="en-US" smtClean="0"/>
-              <a:t>1/20/16</a:t>
+              <a:t>6/6/16</a:t>
             </a:fld>
             <a:endParaRPr lang="en-US"/>
           </a:p>
@@ -1992,7 +1992,7 @@
           <a:p>
             <a:fld id="{F74648D0-5642-438F-8F02-AC3B4D73B72D}" type="datetimeFigureOut">
               <a:rPr lang="en-US" smtClean="0"/>
-              <a:t>1/20/16</a:t>
+              <a:t>6/6/16</a:t>
             </a:fld>
             <a:endParaRPr lang="en-US"/>
           </a:p>
@@ -2269,7 +2269,7 @@
           <a:p>
             <a:fld id="{F74648D0-5642-438F-8F02-AC3B4D73B72D}" type="datetimeFigureOut">
               <a:rPr lang="en-US" smtClean="0"/>
-              <a:t>1/20/16</a:t>
+              <a:t>6/6/16</a:t>
             </a:fld>
             <a:endParaRPr lang="en-US"/>
           </a:p>
@@ -2522,7 +2522,7 @@
           <a:p>
             <a:fld id="{F74648D0-5642-438F-8F02-AC3B4D73B72D}" type="datetimeFigureOut">
               <a:rPr lang="en-US" smtClean="0"/>
-              <a:t>1/20/16</a:t>
+              <a:t>6/6/16</a:t>
             </a:fld>
             <a:endParaRPr lang="en-US"/>
           </a:p>
@@ -2735,7 +2735,7 @@
           <a:p>
             <a:fld id="{F74648D0-5642-438F-8F02-AC3B4D73B72D}" type="datetimeFigureOut">
               <a:rPr lang="en-US" smtClean="0"/>
-              <a:t>1/20/16</a:t>
+              <a:t>6/6/16</a:t>
             </a:fld>
             <a:endParaRPr lang="en-US"/>
           </a:p>
@@ -5106,20 +5106,7 @@
                 <a:latin typeface="Cambria Math" panose="02040503050406030204" pitchFamily="18" charset="0"/>
                 <a:ea typeface="Cambria Math" panose="02040503050406030204" pitchFamily="18" charset="0"/>
               </a:rPr>
-              <a:t>statistics/</a:t>
-            </a:r>
-            <a:r>
-              <a:rPr lang="en-US" sz="1400" dirty="0" smtClean="0">
-                <a:solidFill>
-                  <a:schemeClr val="tx1">
-                    <a:lumMod val="65000"/>
-                    <a:lumOff val="35000"/>
-                  </a:schemeClr>
-                </a:solidFill>
-                <a:latin typeface="Cambria Math" panose="02040503050406030204" pitchFamily="18" charset="0"/>
-                <a:ea typeface="Cambria Math" panose="02040503050406030204" pitchFamily="18" charset="0"/>
-              </a:rPr>
-              <a:t>nonparametric/</a:t>
+              <a:t>statistics/nonparametric/</a:t>
             </a:r>
             <a:endParaRPr lang="en-US" sz="1400" dirty="0">
               <a:solidFill>
@@ -5167,20 +5154,7 @@
                 <a:latin typeface="Cambria Math" panose="02040503050406030204" pitchFamily="18" charset="0"/>
                 <a:ea typeface="Cambria Math" panose="02040503050406030204" pitchFamily="18" charset="0"/>
               </a:rPr>
-              <a:t>statistics/</a:t>
-            </a:r>
-            <a:r>
-              <a:rPr lang="en-US" sz="1400" dirty="0" smtClean="0">
-                <a:solidFill>
-                  <a:schemeClr val="tx1">
-                    <a:lumMod val="65000"/>
-                    <a:lumOff val="35000"/>
-                  </a:schemeClr>
-                </a:solidFill>
-                <a:latin typeface="Cambria Math" panose="02040503050406030204" pitchFamily="18" charset="0"/>
-                <a:ea typeface="Cambria Math" panose="02040503050406030204" pitchFamily="18" charset="0"/>
-              </a:rPr>
-              <a:t>nonparametric/</a:t>
+              <a:t>statistics/nonparametric/</a:t>
             </a:r>
             <a:endParaRPr lang="en-US" sz="1400" dirty="0">
               <a:solidFill>
@@ -5976,13 +5950,13 @@
               </a:ext>
             </a:extLst>
           </a:blip>
-          <a:srcRect l="3676" t="3031" r="3682" b="7632"/>
+          <a:srcRect l="3596" t="3298" r="3519" b="8502"/>
           <a:stretch/>
         </p:blipFill>
         <p:spPr>
           <a:xfrm>
-            <a:off x="1" y="476289"/>
-            <a:ext cx="9144000" cy="5273204"/>
+            <a:off x="0" y="498973"/>
+            <a:ext cx="9144000" cy="5225411"/>
           </a:xfrm>
           <a:prstGeom prst="rect">
             <a:avLst/>
@@ -6063,7 +6037,7 @@
         <p:spPr>
           <a:xfrm>
             <a:off x="0" y="1396004"/>
-            <a:ext cx="1545465" cy="2750022"/>
+            <a:ext cx="1545465" cy="2391631"/>
           </a:xfrm>
           <a:prstGeom prst="rect">
             <a:avLst/>
@@ -6122,7 +6096,7 @@
         <p:spPr>
           <a:xfrm>
             <a:off x="1545465" y="1396004"/>
-            <a:ext cx="2551814" cy="2750022"/>
+            <a:ext cx="2551814" cy="2391631"/>
           </a:xfrm>
           <a:prstGeom prst="rect">
             <a:avLst/>
@@ -6187,7 +6161,7 @@
         <p:spPr>
           <a:xfrm>
             <a:off x="4097278" y="1396004"/>
-            <a:ext cx="5046721" cy="2750022"/>
+            <a:ext cx="5046721" cy="2391631"/>
           </a:xfrm>
           <a:prstGeom prst="rect">
             <a:avLst/>
@@ -6251,8 +6225,8 @@
         </p:nvSpPr>
         <p:spPr>
           <a:xfrm>
-            <a:off x="0" y="4156244"/>
-            <a:ext cx="9144000" cy="1553727"/>
+            <a:off x="0" y="3776294"/>
+            <a:ext cx="9144000" cy="1933677"/>
           </a:xfrm>
           <a:prstGeom prst="rect">
             <a:avLst/>
@@ -6707,7 +6681,7 @@
         </p:nvGrpSpPr>
         <p:grpSpPr>
           <a:xfrm>
-            <a:off x="-131786" y="3997579"/>
+            <a:off x="-131786" y="3600679"/>
             <a:ext cx="371391" cy="298288"/>
             <a:chOff x="3426379" y="179720"/>
             <a:chExt cx="371391" cy="298288"/>

--- a/jcgs-paper-2016/images/images.pptx
+++ b/jcgs-paper-2016/images/images.pptx
@@ -303,7 +303,7 @@
           <a:p>
             <a:fld id="{F74648D0-5642-438F-8F02-AC3B4D73B72D}" type="datetimeFigureOut">
               <a:rPr lang="en-US" smtClean="0"/>
-              <a:t>6/6/16</a:t>
+              <a:t>6/15/16</a:t>
             </a:fld>
             <a:endParaRPr lang="en-US"/>
           </a:p>
@@ -473,7 +473,7 @@
           <a:p>
             <a:fld id="{F74648D0-5642-438F-8F02-AC3B4D73B72D}" type="datetimeFigureOut">
               <a:rPr lang="en-US" smtClean="0"/>
-              <a:t>6/6/16</a:t>
+              <a:t>6/15/16</a:t>
             </a:fld>
             <a:endParaRPr lang="en-US"/>
           </a:p>
@@ -653,7 +653,7 @@
           <a:p>
             <a:fld id="{F74648D0-5642-438F-8F02-AC3B4D73B72D}" type="datetimeFigureOut">
               <a:rPr lang="en-US" smtClean="0"/>
-              <a:t>6/6/16</a:t>
+              <a:t>6/15/16</a:t>
             </a:fld>
             <a:endParaRPr lang="en-US"/>
           </a:p>
@@ -823,7 +823,7 @@
           <a:p>
             <a:fld id="{F74648D0-5642-438F-8F02-AC3B4D73B72D}" type="datetimeFigureOut">
               <a:rPr lang="en-US" smtClean="0"/>
-              <a:t>6/6/16</a:t>
+              <a:t>6/15/16</a:t>
             </a:fld>
             <a:endParaRPr lang="en-US"/>
           </a:p>
@@ -1069,7 +1069,7 @@
           <a:p>
             <a:fld id="{F74648D0-5642-438F-8F02-AC3B4D73B72D}" type="datetimeFigureOut">
               <a:rPr lang="en-US" smtClean="0"/>
-              <a:t>6/6/16</a:t>
+              <a:t>6/15/16</a:t>
             </a:fld>
             <a:endParaRPr lang="en-US"/>
           </a:p>
@@ -1357,7 +1357,7 @@
           <a:p>
             <a:fld id="{F74648D0-5642-438F-8F02-AC3B4D73B72D}" type="datetimeFigureOut">
               <a:rPr lang="en-US" smtClean="0"/>
-              <a:t>6/6/16</a:t>
+              <a:t>6/15/16</a:t>
             </a:fld>
             <a:endParaRPr lang="en-US"/>
           </a:p>
@@ -1779,7 +1779,7 @@
           <a:p>
             <a:fld id="{F74648D0-5642-438F-8F02-AC3B4D73B72D}" type="datetimeFigureOut">
               <a:rPr lang="en-US" smtClean="0"/>
-              <a:t>6/6/16</a:t>
+              <a:t>6/15/16</a:t>
             </a:fld>
             <a:endParaRPr lang="en-US"/>
           </a:p>
@@ -1897,7 +1897,7 @@
           <a:p>
             <a:fld id="{F74648D0-5642-438F-8F02-AC3B4D73B72D}" type="datetimeFigureOut">
               <a:rPr lang="en-US" smtClean="0"/>
-              <a:t>6/6/16</a:t>
+              <a:t>6/15/16</a:t>
             </a:fld>
             <a:endParaRPr lang="en-US"/>
           </a:p>
@@ -1992,7 +1992,7 @@
           <a:p>
             <a:fld id="{F74648D0-5642-438F-8F02-AC3B4D73B72D}" type="datetimeFigureOut">
               <a:rPr lang="en-US" smtClean="0"/>
-              <a:t>6/6/16</a:t>
+              <a:t>6/15/16</a:t>
             </a:fld>
             <a:endParaRPr lang="en-US"/>
           </a:p>
@@ -2269,7 +2269,7 @@
           <a:p>
             <a:fld id="{F74648D0-5642-438F-8F02-AC3B4D73B72D}" type="datetimeFigureOut">
               <a:rPr lang="en-US" smtClean="0"/>
-              <a:t>6/6/16</a:t>
+              <a:t>6/15/16</a:t>
             </a:fld>
             <a:endParaRPr lang="en-US"/>
           </a:p>
@@ -2522,7 +2522,7 @@
           <a:p>
             <a:fld id="{F74648D0-5642-438F-8F02-AC3B4D73B72D}" type="datetimeFigureOut">
               <a:rPr lang="en-US" smtClean="0"/>
-              <a:t>6/6/16</a:t>
+              <a:t>6/15/16</a:t>
             </a:fld>
             <a:endParaRPr lang="en-US"/>
           </a:p>
@@ -2735,7 +2735,7 @@
           <a:p>
             <a:fld id="{F74648D0-5642-438F-8F02-AC3B4D73B72D}" type="datetimeFigureOut">
               <a:rPr lang="en-US" smtClean="0"/>
-              <a:t>6/6/16</a:t>
+              <a:t>6/15/16</a:t>
             </a:fld>
             <a:endParaRPr lang="en-US"/>
           </a:p>
@@ -3227,7 +3227,7 @@
         </p:nvSpPr>
         <p:spPr>
           <a:xfrm>
-            <a:off x="2288360" y="231920"/>
+            <a:off x="2333720" y="231920"/>
             <a:ext cx="1981200" cy="2074273"/>
           </a:xfrm>
           <a:prstGeom prst="snip1Rect">
@@ -3273,7 +3273,7 @@
         </p:nvSpPr>
         <p:spPr>
           <a:xfrm>
-            <a:off x="4415030" y="231920"/>
+            <a:off x="4460390" y="231920"/>
             <a:ext cx="1981200" cy="2074273"/>
           </a:xfrm>
           <a:prstGeom prst="snip1Rect">
@@ -3319,7 +3319,7 @@
         </p:nvSpPr>
         <p:spPr>
           <a:xfrm>
-            <a:off x="2253724" y="245775"/>
+            <a:off x="2299084" y="245775"/>
             <a:ext cx="1981200" cy="381000"/>
           </a:xfrm>
           <a:prstGeom prst="rect">
@@ -3367,7 +3367,7 @@
         </p:nvSpPr>
         <p:spPr>
           <a:xfrm>
-            <a:off x="4415030" y="252703"/>
+            <a:off x="4460390" y="252703"/>
             <a:ext cx="1981200" cy="381000"/>
           </a:xfrm>
           <a:prstGeom prst="rect">
@@ -3428,7 +3428,7 @@
         </p:nvSpPr>
         <p:spPr>
           <a:xfrm>
-            <a:off x="2288360" y="626775"/>
+            <a:off x="2333720" y="626775"/>
             <a:ext cx="1981200" cy="1615827"/>
           </a:xfrm>
           <a:prstGeom prst="rect">
@@ -3519,7 +3519,7 @@
         </p:nvSpPr>
         <p:spPr>
           <a:xfrm>
-            <a:off x="4415030" y="626775"/>
+            <a:off x="4460390" y="626775"/>
             <a:ext cx="1981200" cy="1615827"/>
           </a:xfrm>
           <a:prstGeom prst="rect">
@@ -3613,7 +3613,7 @@
         </p:nvSpPr>
         <p:spPr>
           <a:xfrm>
-            <a:off x="2343778" y="1244946"/>
+            <a:off x="2389138" y="1244946"/>
             <a:ext cx="1870364" cy="727018"/>
           </a:xfrm>
           <a:prstGeom prst="rect">
@@ -3662,7 +3662,7 @@
         </p:nvSpPr>
         <p:spPr>
           <a:xfrm>
-            <a:off x="4470448" y="1244946"/>
+            <a:off x="4515808" y="1244946"/>
             <a:ext cx="1870364" cy="743729"/>
           </a:xfrm>
           <a:prstGeom prst="rect">
@@ -3713,7 +3713,7 @@
         </p:nvCxnSpPr>
         <p:spPr>
           <a:xfrm rot="10800000" flipH="1" flipV="1">
-            <a:off x="2343777" y="1608454"/>
+            <a:off x="2389137" y="1608454"/>
             <a:ext cx="1114489" cy="2259369"/>
           </a:xfrm>
           <a:prstGeom prst="curvedConnector3">
@@ -3758,7 +3758,7 @@
         </p:nvCxnSpPr>
         <p:spPr>
           <a:xfrm flipH="1">
-            <a:off x="5647286" y="1616811"/>
+            <a:off x="5692646" y="1616811"/>
             <a:ext cx="693526" cy="2251013"/>
           </a:xfrm>
           <a:prstGeom prst="curvedConnector3">
@@ -4693,7 +4693,7 @@
         <p:spPr>
           <a:xfrm>
             <a:off x="415560" y="3015123"/>
-            <a:ext cx="2396828" cy="2308324"/>
+            <a:ext cx="2396828" cy="2169825"/>
           </a:xfrm>
           <a:prstGeom prst="rect">
             <a:avLst/>
@@ -4731,13 +4731,217 @@
                 <a:latin typeface="Courier New" panose="02070309020205020404" pitchFamily="49" charset="0"/>
                 <a:cs typeface="Courier New" panose="02070309020205020404" pitchFamily="49" charset="0"/>
               </a:rPr>
-              <a:t>function </a:t>
+              <a:t>function(</a:t>
+            </a:r>
+            <a:r>
+              <a:rPr lang="en-US" sz="900" dirty="0" err="1">
+                <a:latin typeface="Courier New" panose="02070309020205020404" pitchFamily="49" charset="0"/>
+                <a:cs typeface="Courier New" panose="02070309020205020404" pitchFamily="49" charset="0"/>
+              </a:rPr>
+              <a:t>intro.data</a:t>
             </a:r>
             <a:r>
               <a:rPr lang="en-US" sz="900" dirty="0">
                 <a:latin typeface="Courier New" panose="02070309020205020404" pitchFamily="49" charset="0"/>
                 <a:cs typeface="Courier New" panose="02070309020205020404" pitchFamily="49" charset="0"/>
               </a:rPr>
+              <a:t>, x, y, </a:t>
+            </a:r>
+            <a:r>
+              <a:rPr lang="en-US" sz="900" dirty="0" err="1">
+                <a:latin typeface="Courier New" panose="02070309020205020404" pitchFamily="49" charset="0"/>
+                <a:cs typeface="Courier New" panose="02070309020205020404" pitchFamily="49" charset="0"/>
+              </a:rPr>
+              <a:t>conflevel</a:t>
+            </a:r>
+            <a:r>
+              <a:rPr lang="en-US" sz="900" dirty="0">
+                <a:latin typeface="Courier New" panose="02070309020205020404" pitchFamily="49" charset="0"/>
+                <a:cs typeface="Courier New" panose="02070309020205020404" pitchFamily="49" charset="0"/>
+              </a:rPr>
+              <a:t>, </a:t>
+            </a:r>
+            <a:r>
+              <a:rPr lang="en-US" sz="900" dirty="0" err="1">
+                <a:latin typeface="Courier New" panose="02070309020205020404" pitchFamily="49" charset="0"/>
+                <a:cs typeface="Courier New" panose="02070309020205020404" pitchFamily="49" charset="0"/>
+              </a:rPr>
+              <a:t>althyp</a:t>
+            </a:r>
+            <a:r>
+              <a:rPr lang="en-US" sz="900" dirty="0">
+                <a:latin typeface="Courier New" panose="02070309020205020404" pitchFamily="49" charset="0"/>
+                <a:cs typeface="Courier New" panose="02070309020205020404" pitchFamily="49" charset="0"/>
+              </a:rPr>
+              <a:t>, </a:t>
+            </a:r>
+            <a:r>
+              <a:rPr lang="en-US" sz="900" dirty="0" err="1">
+                <a:latin typeface="Courier New" panose="02070309020205020404" pitchFamily="49" charset="0"/>
+                <a:cs typeface="Courier New" panose="02070309020205020404" pitchFamily="49" charset="0"/>
+              </a:rPr>
+              <a:t>hypval</a:t>
+            </a:r>
+            <a:r>
+              <a:rPr lang="en-US" sz="900" dirty="0">
+                <a:latin typeface="Courier New" panose="02070309020205020404" pitchFamily="49" charset="0"/>
+                <a:cs typeface="Courier New" panose="02070309020205020404" pitchFamily="49" charset="0"/>
+              </a:rPr>
+              <a:t>) </a:t>
+            </a:r>
+            <a:r>
+              <a:rPr lang="en-US" sz="900" dirty="0" smtClean="0">
+                <a:latin typeface="Courier New" panose="02070309020205020404" pitchFamily="49" charset="0"/>
+                <a:cs typeface="Courier New" panose="02070309020205020404" pitchFamily="49" charset="0"/>
+              </a:rPr>
+              <a:t>{</a:t>
+            </a:r>
+          </a:p>
+          <a:p>
+            <a:endParaRPr lang="en-US" sz="900" dirty="0" smtClean="0">
+              <a:latin typeface="Courier New" panose="02070309020205020404" pitchFamily="49" charset="0"/>
+              <a:cs typeface="Courier New" panose="02070309020205020404" pitchFamily="49" charset="0"/>
+            </a:endParaRPr>
+          </a:p>
+          <a:p>
+            <a:r>
+              <a:rPr lang="en-US" sz="900" dirty="0" smtClean="0">
+                <a:latin typeface="Courier New" panose="02070309020205020404" pitchFamily="49" charset="0"/>
+                <a:cs typeface="Courier New" panose="02070309020205020404" pitchFamily="49" charset="0"/>
+              </a:rPr>
+              <a:t>interpolate</a:t>
+            </a:r>
+            <a:r>
+              <a:rPr lang="en-US" sz="900" dirty="0">
+                <a:latin typeface="Courier New" panose="02070309020205020404" pitchFamily="49" charset="0"/>
+                <a:cs typeface="Courier New" panose="02070309020205020404" pitchFamily="49" charset="0"/>
+              </a:rPr>
+              <a:t>(~(</a:t>
+            </a:r>
+            <a:r>
+              <a:rPr lang="en-US" sz="900" dirty="0" err="1">
+                <a:latin typeface="Courier New" panose="02070309020205020404" pitchFamily="49" charset="0"/>
+                <a:cs typeface="Courier New" panose="02070309020205020404" pitchFamily="49" charset="0"/>
+              </a:rPr>
+              <a:t>wilcox.test</a:t>
+            </a:r>
+            <a:r>
+              <a:rPr lang="en-US" sz="900" dirty="0">
+                <a:latin typeface="Courier New" panose="02070309020205020404" pitchFamily="49" charset="0"/>
+                <a:cs typeface="Courier New" panose="02070309020205020404" pitchFamily="49" charset="0"/>
+              </a:rPr>
+              <a:t>(x = </a:t>
+            </a:r>
+            <a:r>
+              <a:rPr lang="en-US" sz="900" dirty="0" err="1">
+                <a:latin typeface="Courier New" panose="02070309020205020404" pitchFamily="49" charset="0"/>
+                <a:cs typeface="Courier New" panose="02070309020205020404" pitchFamily="49" charset="0"/>
+              </a:rPr>
+              <a:t>df$x</a:t>
+            </a:r>
+            <a:r>
+              <a:rPr lang="en-US" sz="900" dirty="0">
+                <a:latin typeface="Courier New" panose="02070309020205020404" pitchFamily="49" charset="0"/>
+                <a:cs typeface="Courier New" panose="02070309020205020404" pitchFamily="49" charset="0"/>
+              </a:rPr>
+              <a:t>, y = </a:t>
+            </a:r>
+            <a:r>
+              <a:rPr lang="en-US" sz="900" dirty="0" err="1">
+                <a:latin typeface="Courier New" panose="02070309020205020404" pitchFamily="49" charset="0"/>
+                <a:cs typeface="Courier New" panose="02070309020205020404" pitchFamily="49" charset="0"/>
+              </a:rPr>
+              <a:t>df$y</a:t>
+            </a:r>
+            <a:r>
+              <a:rPr lang="en-US" sz="900" dirty="0">
+                <a:latin typeface="Courier New" panose="02070309020205020404" pitchFamily="49" charset="0"/>
+                <a:cs typeface="Courier New" panose="02070309020205020404" pitchFamily="49" charset="0"/>
+              </a:rPr>
+              <a:t>, </a:t>
+            </a:r>
+            <a:r>
+              <a:rPr lang="en-US" sz="900" dirty="0" err="1">
+                <a:latin typeface="Courier New" panose="02070309020205020404" pitchFamily="49" charset="0"/>
+                <a:cs typeface="Courier New" panose="02070309020205020404" pitchFamily="49" charset="0"/>
+              </a:rPr>
+              <a:t>conf.level</a:t>
+            </a:r>
+            <a:r>
+              <a:rPr lang="en-US" sz="900" dirty="0">
+                <a:latin typeface="Courier New" panose="02070309020205020404" pitchFamily="49" charset="0"/>
+                <a:cs typeface="Courier New" panose="02070309020205020404" pitchFamily="49" charset="0"/>
+              </a:rPr>
+              <a:t> = </a:t>
+            </a:r>
+            <a:r>
+              <a:rPr lang="en-US" sz="900" dirty="0" err="1">
+                <a:latin typeface="Courier New" panose="02070309020205020404" pitchFamily="49" charset="0"/>
+                <a:cs typeface="Courier New" panose="02070309020205020404" pitchFamily="49" charset="0"/>
+              </a:rPr>
+              <a:t>conf</a:t>
+            </a:r>
+            <a:r>
+              <a:rPr lang="en-US" sz="900" dirty="0">
+                <a:latin typeface="Courier New" panose="02070309020205020404" pitchFamily="49" charset="0"/>
+                <a:cs typeface="Courier New" panose="02070309020205020404" pitchFamily="49" charset="0"/>
+              </a:rPr>
+              <a:t>, alternative = </a:t>
+            </a:r>
+            <a:r>
+              <a:rPr lang="en-US" sz="900" dirty="0" err="1">
+                <a:latin typeface="Courier New" panose="02070309020205020404" pitchFamily="49" charset="0"/>
+                <a:cs typeface="Courier New" panose="02070309020205020404" pitchFamily="49" charset="0"/>
+              </a:rPr>
+              <a:t>althyp</a:t>
+            </a:r>
+            <a:r>
+              <a:rPr lang="en-US" sz="900" dirty="0">
+                <a:latin typeface="Courier New" panose="02070309020205020404" pitchFamily="49" charset="0"/>
+                <a:cs typeface="Courier New" panose="02070309020205020404" pitchFamily="49" charset="0"/>
+              </a:rPr>
+              <a:t>, mu = </a:t>
+            </a:r>
+            <a:r>
+              <a:rPr lang="en-US" sz="900" dirty="0" err="1">
+                <a:latin typeface="Courier New" panose="02070309020205020404" pitchFamily="49" charset="0"/>
+                <a:cs typeface="Courier New" panose="02070309020205020404" pitchFamily="49" charset="0"/>
+              </a:rPr>
+              <a:t>hypval</a:t>
+            </a:r>
+            <a:r>
+              <a:rPr lang="en-US" sz="900" dirty="0">
+                <a:latin typeface="Courier New" panose="02070309020205020404" pitchFamily="49" charset="0"/>
+                <a:cs typeface="Courier New" panose="02070309020205020404" pitchFamily="49" charset="0"/>
+              </a:rPr>
+              <a:t>))</a:t>
+            </a:r>
+            <a:r>
+              <a:rPr lang="en-US" sz="900" dirty="0" smtClean="0">
+                <a:latin typeface="Courier New" panose="02070309020205020404" pitchFamily="49" charset="0"/>
+                <a:cs typeface="Courier New" panose="02070309020205020404" pitchFamily="49" charset="0"/>
+              </a:rPr>
+              <a:t>, </a:t>
+            </a:r>
+            <a:r>
+              <a:rPr lang="en-US" sz="900" dirty="0" err="1" smtClean="0">
+                <a:latin typeface="Courier New" panose="02070309020205020404" pitchFamily="49" charset="0"/>
+                <a:cs typeface="Courier New" panose="02070309020205020404" pitchFamily="49" charset="0"/>
+              </a:rPr>
+              <a:t>df</a:t>
+            </a:r>
+            <a:r>
+              <a:rPr lang="en-US" sz="900" dirty="0" smtClean="0">
+                <a:latin typeface="Courier New" panose="02070309020205020404" pitchFamily="49" charset="0"/>
+                <a:cs typeface="Courier New" panose="02070309020205020404" pitchFamily="49" charset="0"/>
+              </a:rPr>
+              <a:t> = quote</a:t>
+            </a:r>
+            <a:r>
+              <a:rPr lang="en-US" sz="900" dirty="0">
+                <a:latin typeface="Courier New" panose="02070309020205020404" pitchFamily="49" charset="0"/>
+                <a:cs typeface="Courier New" panose="02070309020205020404" pitchFamily="49" charset="0"/>
+              </a:rPr>
               <a:t>(</a:t>
             </a:r>
             <a:r>
@@ -4752,7 +4956,63 @@
                 <a:latin typeface="Courier New" panose="02070309020205020404" pitchFamily="49" charset="0"/>
                 <a:cs typeface="Courier New" panose="02070309020205020404" pitchFamily="49" charset="0"/>
               </a:rPr>
-              <a:t>, x, y, </a:t>
+              <a:t>)</a:t>
+            </a:r>
+            <a:r>
+              <a:rPr lang="en-US" sz="900" dirty="0" smtClean="0">
+                <a:latin typeface="Courier New" panose="02070309020205020404" pitchFamily="49" charset="0"/>
+                <a:cs typeface="Courier New" panose="02070309020205020404" pitchFamily="49" charset="0"/>
+              </a:rPr>
+              <a:t>, x </a:t>
+            </a:r>
+            <a:r>
+              <a:rPr lang="en-US" sz="900" dirty="0">
+                <a:latin typeface="Courier New" panose="02070309020205020404" pitchFamily="49" charset="0"/>
+                <a:cs typeface="Courier New" panose="02070309020205020404" pitchFamily="49" charset="0"/>
+              </a:rPr>
+              <a:t>= x</a:t>
+            </a:r>
+            <a:r>
+              <a:rPr lang="en-US" sz="900" dirty="0" smtClean="0">
+                <a:latin typeface="Courier New" panose="02070309020205020404" pitchFamily="49" charset="0"/>
+                <a:cs typeface="Courier New" panose="02070309020205020404" pitchFamily="49" charset="0"/>
+              </a:rPr>
+              <a:t>, y </a:t>
+            </a:r>
+            <a:r>
+              <a:rPr lang="en-US" sz="900" dirty="0">
+                <a:latin typeface="Courier New" panose="02070309020205020404" pitchFamily="49" charset="0"/>
+                <a:cs typeface="Courier New" panose="02070309020205020404" pitchFamily="49" charset="0"/>
+              </a:rPr>
+              <a:t>= y</a:t>
+            </a:r>
+            <a:r>
+              <a:rPr lang="en-US" sz="900" dirty="0" smtClean="0">
+                <a:latin typeface="Courier New" panose="02070309020205020404" pitchFamily="49" charset="0"/>
+                <a:cs typeface="Courier New" panose="02070309020205020404" pitchFamily="49" charset="0"/>
+              </a:rPr>
+              <a:t>, </a:t>
+            </a:r>
+            <a:r>
+              <a:rPr lang="en-US" sz="900" dirty="0" err="1" smtClean="0">
+                <a:latin typeface="Courier New" panose="02070309020205020404" pitchFamily="49" charset="0"/>
+                <a:cs typeface="Courier New" panose="02070309020205020404" pitchFamily="49" charset="0"/>
+              </a:rPr>
+              <a:t>conf</a:t>
+            </a:r>
+            <a:r>
+              <a:rPr lang="en-US" sz="900" dirty="0" smtClean="0">
+                <a:latin typeface="Courier New" panose="02070309020205020404" pitchFamily="49" charset="0"/>
+                <a:cs typeface="Courier New" panose="02070309020205020404" pitchFamily="49" charset="0"/>
+              </a:rPr>
+              <a:t> </a:t>
+            </a:r>
+            <a:r>
+              <a:rPr lang="en-US" sz="900" dirty="0">
+                <a:latin typeface="Courier New" panose="02070309020205020404" pitchFamily="49" charset="0"/>
+                <a:cs typeface="Courier New" panose="02070309020205020404" pitchFamily="49" charset="0"/>
+              </a:rPr>
+              <a:t>= </a:t>
             </a:r>
             <a:r>
               <a:rPr lang="en-US" sz="900" dirty="0" err="1">
@@ -4762,46 +5022,172 @@
               <a:t>conflevel</a:t>
             </a:r>
             <a:r>
+              <a:rPr lang="en-US" sz="900" dirty="0" smtClean="0">
+                <a:latin typeface="Courier New" panose="02070309020205020404" pitchFamily="49" charset="0"/>
+                <a:cs typeface="Courier New" panose="02070309020205020404" pitchFamily="49" charset="0"/>
+              </a:rPr>
+              <a:t>, </a:t>
+            </a:r>
+            <a:r>
+              <a:rPr lang="en-US" sz="900" dirty="0" err="1" smtClean="0">
+                <a:latin typeface="Courier New" panose="02070309020205020404" pitchFamily="49" charset="0"/>
+                <a:cs typeface="Courier New" panose="02070309020205020404" pitchFamily="49" charset="0"/>
+              </a:rPr>
+              <a:t>althyp</a:t>
+            </a:r>
+            <a:r>
+              <a:rPr lang="en-US" sz="900" dirty="0" smtClean="0">
+                <a:latin typeface="Courier New" panose="02070309020205020404" pitchFamily="49" charset="0"/>
+                <a:cs typeface="Courier New" panose="02070309020205020404" pitchFamily="49" charset="0"/>
+              </a:rPr>
+              <a:t> </a:t>
+            </a:r>
+            <a:r>
               <a:rPr lang="en-US" sz="900" dirty="0">
                 <a:latin typeface="Courier New" panose="02070309020205020404" pitchFamily="49" charset="0"/>
                 <a:cs typeface="Courier New" panose="02070309020205020404" pitchFamily="49" charset="0"/>
               </a:rPr>
+              <a:t>= </a:t>
+            </a:r>
+            <a:r>
+              <a:rPr lang="en-US" sz="900" dirty="0" err="1">
+                <a:latin typeface="Courier New" panose="02070309020205020404" pitchFamily="49" charset="0"/>
+                <a:cs typeface="Courier New" panose="02070309020205020404" pitchFamily="49" charset="0"/>
+              </a:rPr>
+              <a:t>althyp</a:t>
+            </a:r>
+            <a:r>
+              <a:rPr lang="en-US" sz="900" dirty="0" smtClean="0">
+                <a:latin typeface="Courier New" panose="02070309020205020404" pitchFamily="49" charset="0"/>
+                <a:cs typeface="Courier New" panose="02070309020205020404" pitchFamily="49" charset="0"/>
+              </a:rPr>
               <a:t>, </a:t>
             </a:r>
             <a:r>
+              <a:rPr lang="en-US" sz="900" dirty="0" err="1" smtClean="0">
+                <a:latin typeface="Courier New" panose="02070309020205020404" pitchFamily="49" charset="0"/>
+                <a:cs typeface="Courier New" panose="02070309020205020404" pitchFamily="49" charset="0"/>
+              </a:rPr>
+              <a:t>hypval</a:t>
+            </a:r>
+            <a:r>
+              <a:rPr lang="en-US" sz="900" dirty="0" smtClean="0">
+                <a:latin typeface="Courier New" panose="02070309020205020404" pitchFamily="49" charset="0"/>
+                <a:cs typeface="Courier New" panose="02070309020205020404" pitchFamily="49" charset="0"/>
+              </a:rPr>
+              <a:t> </a:t>
+            </a:r>
+            <a:r>
+              <a:rPr lang="en-US" sz="900" dirty="0">
+                <a:latin typeface="Courier New" panose="02070309020205020404" pitchFamily="49" charset="0"/>
+                <a:cs typeface="Courier New" panose="02070309020205020404" pitchFamily="49" charset="0"/>
+              </a:rPr>
+              <a:t>= </a:t>
+            </a:r>
+            <a:r>
               <a:rPr lang="en-US" sz="900" dirty="0" err="1">
                 <a:latin typeface="Courier New" panose="02070309020205020404" pitchFamily="49" charset="0"/>
                 <a:cs typeface="Courier New" panose="02070309020205020404" pitchFamily="49" charset="0"/>
               </a:rPr>
-              <a:t>althyp</a:t>
+              <a:t>hypval</a:t>
+            </a:r>
+            <a:r>
+              <a:rPr lang="en-US" sz="900" dirty="0" smtClean="0">
+                <a:latin typeface="Courier New" panose="02070309020205020404" pitchFamily="49" charset="0"/>
+                <a:cs typeface="Courier New" panose="02070309020205020404" pitchFamily="49" charset="0"/>
+              </a:rPr>
+              <a:t>, </a:t>
+            </a:r>
+            <a:r>
+              <a:rPr lang="en-US" sz="900" dirty="0" err="1" smtClean="0">
+                <a:latin typeface="Courier New" panose="02070309020205020404" pitchFamily="49" charset="0"/>
+                <a:cs typeface="Courier New" panose="02070309020205020404" pitchFamily="49" charset="0"/>
+              </a:rPr>
+              <a:t>mydir</a:t>
+            </a:r>
+            <a:r>
+              <a:rPr lang="en-US" sz="900" dirty="0" smtClean="0">
+                <a:latin typeface="Courier New" panose="02070309020205020404" pitchFamily="49" charset="0"/>
+                <a:cs typeface="Courier New" panose="02070309020205020404" pitchFamily="49" charset="0"/>
+              </a:rPr>
+              <a:t> </a:t>
             </a:r>
             <a:r>
               <a:rPr lang="en-US" sz="900" dirty="0">
                 <a:latin typeface="Courier New" panose="02070309020205020404" pitchFamily="49" charset="0"/>
                 <a:cs typeface="Courier New" panose="02070309020205020404" pitchFamily="49" charset="0"/>
               </a:rPr>
+              <a:t>= </a:t>
+            </a:r>
+            <a:r>
+              <a:rPr lang="en-US" sz="900" dirty="0" err="1">
+                <a:latin typeface="Courier New" panose="02070309020205020404" pitchFamily="49" charset="0"/>
+                <a:cs typeface="Courier New" panose="02070309020205020404" pitchFamily="49" charset="0"/>
+              </a:rPr>
+              <a:t>userdir</a:t>
+            </a:r>
+            <a:r>
+              <a:rPr lang="en-US" sz="900" dirty="0">
+                <a:latin typeface="Courier New" panose="02070309020205020404" pitchFamily="49" charset="0"/>
+                <a:cs typeface="Courier New" panose="02070309020205020404" pitchFamily="49" charset="0"/>
+              </a:rPr>
               <a:t>, </a:t>
             </a:r>
             <a:r>
+              <a:rPr lang="en-US" sz="900" dirty="0" smtClean="0">
+                <a:latin typeface="Courier New" panose="02070309020205020404" pitchFamily="49" charset="0"/>
+                <a:cs typeface="Courier New" panose="02070309020205020404" pitchFamily="49" charset="0"/>
+              </a:rPr>
+              <a:t>`_</a:t>
+            </a:r>
+            <a:r>
+              <a:rPr lang="en-US" sz="900" dirty="0" err="1" smtClean="0">
+                <a:latin typeface="Courier New" panose="02070309020205020404" pitchFamily="49" charset="0"/>
+                <a:cs typeface="Courier New" panose="02070309020205020404" pitchFamily="49" charset="0"/>
+              </a:rPr>
+              <a:t>env</a:t>
+            </a:r>
+            <a:r>
+              <a:rPr lang="en-US" sz="900" dirty="0">
+                <a:latin typeface="Courier New" panose="02070309020205020404" pitchFamily="49" charset="0"/>
+                <a:cs typeface="Courier New" panose="02070309020205020404" pitchFamily="49" charset="0"/>
+              </a:rPr>
+              <a:t>` = environment()</a:t>
+            </a:r>
+            <a:r>
+              <a:rPr lang="en-US" sz="900" dirty="0" smtClean="0">
+                <a:latin typeface="Courier New" panose="02070309020205020404" pitchFamily="49" charset="0"/>
+                <a:cs typeface="Courier New" panose="02070309020205020404" pitchFamily="49" charset="0"/>
+              </a:rPr>
+              <a:t>, file </a:t>
+            </a:r>
+            <a:r>
+              <a:rPr lang="en-US" sz="900" dirty="0">
+                <a:latin typeface="Courier New" panose="02070309020205020404" pitchFamily="49" charset="0"/>
+                <a:cs typeface="Courier New" panose="02070309020205020404" pitchFamily="49" charset="0"/>
+              </a:rPr>
+              <a:t>= "</a:t>
+            </a:r>
+            <a:r>
               <a:rPr lang="en-US" sz="900" dirty="0" err="1">
                 <a:latin typeface="Courier New" panose="02070309020205020404" pitchFamily="49" charset="0"/>
                 <a:cs typeface="Courier New" panose="02070309020205020404" pitchFamily="49" charset="0"/>
               </a:rPr>
-              <a:t>hypval</a:t>
+              <a:t>code_nonparametric.R</a:t>
             </a:r>
             <a:r>
               <a:rPr lang="en-US" sz="900" dirty="0">
                 <a:latin typeface="Courier New" panose="02070309020205020404" pitchFamily="49" charset="0"/>
                 <a:cs typeface="Courier New" panose="02070309020205020404" pitchFamily="49" charset="0"/>
               </a:rPr>
-              <a:t>) </a:t>
+              <a:t>"</a:t>
             </a:r>
             <a:r>
               <a:rPr lang="en-US" sz="900" dirty="0" smtClean="0">
                 <a:latin typeface="Courier New" panose="02070309020205020404" pitchFamily="49" charset="0"/>
                 <a:cs typeface="Courier New" panose="02070309020205020404" pitchFamily="49" charset="0"/>
               </a:rPr>
-              <a:t>{</a:t>
+              <a:t>)</a:t>
             </a:r>
           </a:p>
           <a:p>
@@ -4812,264 +5198,16 @@
           </a:p>
           <a:p>
             <a:r>
-              <a:rPr lang="en-US" sz="900" dirty="0" err="1" smtClean="0">
-                <a:latin typeface="Courier New" panose="02070309020205020404" pitchFamily="49" charset="0"/>
-                <a:cs typeface="Courier New" panose="02070309020205020404" pitchFamily="49" charset="0"/>
-              </a:rPr>
-              <a:t>cat_and_eval</a:t>
-            </a:r>
-            <a:r>
-              <a:rPr lang="en-US" sz="900" dirty="0" smtClean="0">
-                <a:latin typeface="Courier New" panose="02070309020205020404" pitchFamily="49" charset="0"/>
-                <a:cs typeface="Courier New" panose="02070309020205020404" pitchFamily="49" charset="0"/>
-              </a:rPr>
-              <a:t>(</a:t>
-            </a:r>
-          </a:p>
-          <a:p>
-            <a:pPr defTabSz="365760"/>
-            <a:r>
-              <a:rPr lang="en-US" sz="900" dirty="0" smtClean="0">
-                <a:latin typeface="Courier New" panose="02070309020205020404" pitchFamily="49" charset="0"/>
-                <a:cs typeface="Courier New" panose="02070309020205020404" pitchFamily="49" charset="0"/>
-              </a:rPr>
-              <a:t>paste0(</a:t>
-            </a:r>
-          </a:p>
-          <a:p>
-            <a:pPr defTabSz="365760"/>
-            <a:r>
-              <a:rPr lang="en-US" sz="900" dirty="0" smtClean="0">
-                <a:latin typeface="Courier New" panose="02070309020205020404" pitchFamily="49" charset="0"/>
-                <a:cs typeface="Courier New" panose="02070309020205020404" pitchFamily="49" charset="0"/>
-              </a:rPr>
-              <a:t>"</a:t>
-            </a:r>
-            <a:r>
-              <a:rPr lang="en-US" sz="900" dirty="0" err="1">
-                <a:latin typeface="Courier New" panose="02070309020205020404" pitchFamily="49" charset="0"/>
-                <a:cs typeface="Courier New" panose="02070309020205020404" pitchFamily="49" charset="0"/>
-              </a:rPr>
-              <a:t>wilcox.test</a:t>
-            </a:r>
-            <a:r>
-              <a:rPr lang="en-US" sz="900" dirty="0" smtClean="0">
-                <a:latin typeface="Courier New" panose="02070309020205020404" pitchFamily="49" charset="0"/>
-                <a:cs typeface="Courier New" panose="02070309020205020404" pitchFamily="49" charset="0"/>
-              </a:rPr>
-              <a:t>(</a:t>
-            </a:r>
-          </a:p>
-          <a:p>
-            <a:pPr defTabSz="365760"/>
-            <a:r>
-              <a:rPr lang="en-US" sz="900" dirty="0" smtClean="0">
-                <a:latin typeface="Courier New" panose="02070309020205020404" pitchFamily="49" charset="0"/>
-                <a:cs typeface="Courier New" panose="02070309020205020404" pitchFamily="49" charset="0"/>
-              </a:rPr>
-              <a:t>x=</a:t>
-            </a:r>
-            <a:r>
-              <a:rPr lang="en-US" sz="900" dirty="0" err="1" smtClean="0">
-                <a:latin typeface="Courier New" panose="02070309020205020404" pitchFamily="49" charset="0"/>
-                <a:cs typeface="Courier New" panose="02070309020205020404" pitchFamily="49" charset="0"/>
-              </a:rPr>
-              <a:t>intro.data</a:t>
-            </a:r>
-            <a:r>
               <a:rPr lang="en-US" sz="900" dirty="0">
                 <a:latin typeface="Courier New" panose="02070309020205020404" pitchFamily="49" charset="0"/>
                 <a:cs typeface="Courier New" panose="02070309020205020404" pitchFamily="49" charset="0"/>
               </a:rPr>
-              <a:t>[,'", x, "'], y=</a:t>
-            </a:r>
-            <a:r>
-              <a:rPr lang="en-US" sz="900" dirty="0" err="1">
-                <a:latin typeface="Courier New" panose="02070309020205020404" pitchFamily="49" charset="0"/>
-                <a:cs typeface="Courier New" panose="02070309020205020404" pitchFamily="49" charset="0"/>
-              </a:rPr>
-              <a:t>intro.data</a:t>
-            </a:r>
-            <a:r>
-              <a:rPr lang="en-US" sz="900" dirty="0">
-                <a:latin typeface="Courier New" panose="02070309020205020404" pitchFamily="49" charset="0"/>
-                <a:cs typeface="Courier New" panose="02070309020205020404" pitchFamily="49" charset="0"/>
-              </a:rPr>
-              <a:t>[,'", y, "'], </a:t>
-            </a:r>
-            <a:r>
-              <a:rPr lang="en-US" sz="900" dirty="0" err="1">
-                <a:latin typeface="Courier New" panose="02070309020205020404" pitchFamily="49" charset="0"/>
-                <a:cs typeface="Courier New" panose="02070309020205020404" pitchFamily="49" charset="0"/>
-              </a:rPr>
-              <a:t>conf.level</a:t>
-            </a:r>
-            <a:r>
-              <a:rPr lang="en-US" sz="900" dirty="0">
-                <a:latin typeface="Courier New" panose="02070309020205020404" pitchFamily="49" charset="0"/>
-                <a:cs typeface="Courier New" panose="02070309020205020404" pitchFamily="49" charset="0"/>
-              </a:rPr>
-              <a:t>=", </a:t>
-            </a:r>
-            <a:r>
-              <a:rPr lang="en-US" sz="900" dirty="0" err="1">
-                <a:latin typeface="Courier New" panose="02070309020205020404" pitchFamily="49" charset="0"/>
-                <a:cs typeface="Courier New" panose="02070309020205020404" pitchFamily="49" charset="0"/>
-              </a:rPr>
-              <a:t>conflevel</a:t>
-            </a:r>
-            <a:r>
-              <a:rPr lang="en-US" sz="900" dirty="0">
-                <a:latin typeface="Courier New" panose="02070309020205020404" pitchFamily="49" charset="0"/>
-                <a:cs typeface="Courier New" panose="02070309020205020404" pitchFamily="49" charset="0"/>
-              </a:rPr>
-              <a:t>, ", alternative='", </a:t>
-            </a:r>
-            <a:r>
-              <a:rPr lang="en-US" sz="900" dirty="0" err="1">
-                <a:latin typeface="Courier New" panose="02070309020205020404" pitchFamily="49" charset="0"/>
-                <a:cs typeface="Courier New" panose="02070309020205020404" pitchFamily="49" charset="0"/>
-              </a:rPr>
-              <a:t>althyp</a:t>
-            </a:r>
-            <a:r>
-              <a:rPr lang="en-US" sz="900" dirty="0">
-                <a:latin typeface="Courier New" panose="02070309020205020404" pitchFamily="49" charset="0"/>
-                <a:cs typeface="Courier New" panose="02070309020205020404" pitchFamily="49" charset="0"/>
-              </a:rPr>
-              <a:t>, "', mu=", </a:t>
-            </a:r>
-            <a:r>
-              <a:rPr lang="en-US" sz="900" dirty="0" err="1">
-                <a:latin typeface="Courier New" panose="02070309020205020404" pitchFamily="49" charset="0"/>
-                <a:cs typeface="Courier New" panose="02070309020205020404" pitchFamily="49" charset="0"/>
-              </a:rPr>
-              <a:t>hypval</a:t>
-            </a:r>
-            <a:r>
-              <a:rPr lang="en-US" sz="900" dirty="0">
-                <a:latin typeface="Courier New" panose="02070309020205020404" pitchFamily="49" charset="0"/>
-                <a:cs typeface="Courier New" panose="02070309020205020404" pitchFamily="49" charset="0"/>
-              </a:rPr>
-              <a:t>, ")"),  </a:t>
-            </a:r>
-            <a:endParaRPr lang="en-US" sz="900" dirty="0" smtClean="0">
+              <a:t>}</a:t>
+            </a:r>
+            <a:endParaRPr lang="en-US" sz="900" dirty="0">
               <a:latin typeface="Courier New" panose="02070309020205020404" pitchFamily="49" charset="0"/>
               <a:cs typeface="Courier New" panose="02070309020205020404" pitchFamily="49" charset="0"/>
             </a:endParaRPr>
-          </a:p>
-          <a:p>
-            <a:pPr defTabSz="365760"/>
-            <a:r>
-              <a:rPr lang="en-US" sz="900" dirty="0" err="1" smtClean="0">
-                <a:latin typeface="Courier New" panose="02070309020205020404" pitchFamily="49" charset="0"/>
-                <a:cs typeface="Courier New" panose="02070309020205020404" pitchFamily="49" charset="0"/>
-              </a:rPr>
-              <a:t>mydir</a:t>
-            </a:r>
-            <a:r>
-              <a:rPr lang="en-US" sz="900" dirty="0" smtClean="0">
-                <a:latin typeface="Courier New" panose="02070309020205020404" pitchFamily="49" charset="0"/>
-                <a:cs typeface="Courier New" panose="02070309020205020404" pitchFamily="49" charset="0"/>
-              </a:rPr>
-              <a:t> </a:t>
-            </a:r>
-            <a:r>
-              <a:rPr lang="en-US" sz="900" dirty="0">
-                <a:latin typeface="Courier New" panose="02070309020205020404" pitchFamily="49" charset="0"/>
-                <a:cs typeface="Courier New" panose="02070309020205020404" pitchFamily="49" charset="0"/>
-              </a:rPr>
-              <a:t>= </a:t>
-            </a:r>
-            <a:r>
-              <a:rPr lang="en-US" sz="900" dirty="0" err="1">
-                <a:latin typeface="Courier New" panose="02070309020205020404" pitchFamily="49" charset="0"/>
-                <a:cs typeface="Courier New" panose="02070309020205020404" pitchFamily="49" charset="0"/>
-              </a:rPr>
-              <a:t>userdir</a:t>
-            </a:r>
-            <a:r>
-              <a:rPr lang="en-US" sz="900" dirty="0">
-                <a:latin typeface="Courier New" panose="02070309020205020404" pitchFamily="49" charset="0"/>
-                <a:cs typeface="Courier New" panose="02070309020205020404" pitchFamily="49" charset="0"/>
-              </a:rPr>
-              <a:t>, </a:t>
-            </a:r>
-            <a:endParaRPr lang="en-US" sz="900" dirty="0" smtClean="0">
-              <a:latin typeface="Courier New" panose="02070309020205020404" pitchFamily="49" charset="0"/>
-              <a:cs typeface="Courier New" panose="02070309020205020404" pitchFamily="49" charset="0"/>
-            </a:endParaRPr>
-          </a:p>
-          <a:p>
-            <a:pPr defTabSz="365760"/>
-            <a:r>
-              <a:rPr lang="en-US" sz="900" dirty="0" err="1" smtClean="0">
-                <a:latin typeface="Courier New" panose="02070309020205020404" pitchFamily="49" charset="0"/>
-                <a:cs typeface="Courier New" panose="02070309020205020404" pitchFamily="49" charset="0"/>
-              </a:rPr>
-              <a:t>env</a:t>
-            </a:r>
-            <a:r>
-              <a:rPr lang="en-US" sz="900" dirty="0" smtClean="0">
-                <a:latin typeface="Courier New" panose="02070309020205020404" pitchFamily="49" charset="0"/>
-                <a:cs typeface="Courier New" panose="02070309020205020404" pitchFamily="49" charset="0"/>
-              </a:rPr>
-              <a:t> </a:t>
-            </a:r>
-            <a:r>
-              <a:rPr lang="en-US" sz="900" dirty="0">
-                <a:latin typeface="Courier New" panose="02070309020205020404" pitchFamily="49" charset="0"/>
-                <a:cs typeface="Courier New" panose="02070309020205020404" pitchFamily="49" charset="0"/>
-              </a:rPr>
-              <a:t>= environment</a:t>
-            </a:r>
-            <a:r>
-              <a:rPr lang="en-US" sz="900" dirty="0" smtClean="0">
-                <a:latin typeface="Courier New" panose="02070309020205020404" pitchFamily="49" charset="0"/>
-                <a:cs typeface="Courier New" panose="02070309020205020404" pitchFamily="49" charset="0"/>
-              </a:rPr>
-              <a:t>(),</a:t>
-            </a:r>
-          </a:p>
-          <a:p>
-            <a:pPr defTabSz="365760"/>
-            <a:r>
-              <a:rPr lang="en-US" sz="900" dirty="0" smtClean="0">
-                <a:latin typeface="Courier New" panose="02070309020205020404" pitchFamily="49" charset="0"/>
-                <a:cs typeface="Courier New" panose="02070309020205020404" pitchFamily="49" charset="0"/>
-              </a:rPr>
-              <a:t> </a:t>
-            </a:r>
-            <a:r>
-              <a:rPr lang="en-US" sz="900" dirty="0">
-                <a:latin typeface="Courier New" panose="02070309020205020404" pitchFamily="49" charset="0"/>
-                <a:cs typeface="Courier New" panose="02070309020205020404" pitchFamily="49" charset="0"/>
-              </a:rPr>
-              <a:t>file = "</a:t>
-            </a:r>
-            <a:r>
-              <a:rPr lang="en-US" sz="900" dirty="0" err="1">
-                <a:latin typeface="Courier New" panose="02070309020205020404" pitchFamily="49" charset="0"/>
-                <a:cs typeface="Courier New" panose="02070309020205020404" pitchFamily="49" charset="0"/>
-              </a:rPr>
-              <a:t>code_nonparametric.R</a:t>
-            </a:r>
-            <a:r>
-              <a:rPr lang="en-US" sz="900" dirty="0">
-                <a:latin typeface="Courier New" panose="02070309020205020404" pitchFamily="49" charset="0"/>
-                <a:cs typeface="Courier New" panose="02070309020205020404" pitchFamily="49" charset="0"/>
-              </a:rPr>
-              <a:t>")</a:t>
-            </a:r>
-          </a:p>
-          <a:p>
-            <a:r>
-              <a:rPr lang="en-US" sz="900" dirty="0">
-                <a:latin typeface="Courier New" panose="02070309020205020404" pitchFamily="49" charset="0"/>
-                <a:cs typeface="Courier New" panose="02070309020205020404" pitchFamily="49" charset="0"/>
-              </a:rPr>
-              <a:t>}</a:t>
-            </a:r>
           </a:p>
         </p:txBody>
       </p:sp>
@@ -5106,7 +5244,20 @@
                 <a:latin typeface="Cambria Math" panose="02040503050406030204" pitchFamily="18" charset="0"/>
                 <a:ea typeface="Cambria Math" panose="02040503050406030204" pitchFamily="18" charset="0"/>
               </a:rPr>
-              <a:t>statistics/nonparametric/</a:t>
+              <a:t>inference/</a:t>
+            </a:r>
+            <a:r>
+              <a:rPr lang="en-US" sz="1400" dirty="0" smtClean="0">
+                <a:solidFill>
+                  <a:schemeClr val="tx1">
+                    <a:lumMod val="65000"/>
+                    <a:lumOff val="35000"/>
+                  </a:schemeClr>
+                </a:solidFill>
+                <a:latin typeface="Cambria Math" panose="02040503050406030204" pitchFamily="18" charset="0"/>
+                <a:ea typeface="Cambria Math" panose="02040503050406030204" pitchFamily="18" charset="0"/>
+              </a:rPr>
+              <a:t>nonparametric/</a:t>
             </a:r>
             <a:endParaRPr lang="en-US" sz="1400" dirty="0">
               <a:solidFill>
@@ -5154,7 +5305,20 @@
                 <a:latin typeface="Cambria Math" panose="02040503050406030204" pitchFamily="18" charset="0"/>
                 <a:ea typeface="Cambria Math" panose="02040503050406030204" pitchFamily="18" charset="0"/>
               </a:rPr>
-              <a:t>statistics/nonparametric/</a:t>
+              <a:t>inference/</a:t>
+            </a:r>
+            <a:r>
+              <a:rPr lang="en-US" sz="1400" dirty="0" smtClean="0">
+                <a:solidFill>
+                  <a:schemeClr val="tx1">
+                    <a:lumMod val="65000"/>
+                    <a:lumOff val="35000"/>
+                  </a:schemeClr>
+                </a:solidFill>
+                <a:latin typeface="Cambria Math" panose="02040503050406030204" pitchFamily="18" charset="0"/>
+                <a:ea typeface="Cambria Math" panose="02040503050406030204" pitchFamily="18" charset="0"/>
+              </a:rPr>
+              <a:t>nonparametric/</a:t>
             </a:r>
             <a:endParaRPr lang="en-US" sz="1400" dirty="0">
               <a:solidFill>
@@ -5674,7 +5838,7 @@
         <p:spPr>
           <a:xfrm>
             <a:off x="3293194" y="3304883"/>
-            <a:ext cx="2294805" cy="1615827"/>
+            <a:ext cx="2294805" cy="1446550"/>
           </a:xfrm>
           <a:prstGeom prst="rect">
             <a:avLst/>
@@ -5688,18 +5852,34 @@
           <a:lstStyle/>
           <a:p>
             <a:r>
+              <a:rPr lang="en-US" sz="1100" dirty="0" smtClean="0">
+                <a:latin typeface="Courier New" panose="02070309020205020404" pitchFamily="49" charset="0"/>
+                <a:cs typeface="Courier New" panose="02070309020205020404" pitchFamily="49" charset="0"/>
+              </a:rPr>
+              <a:t>data</a:t>
+            </a:r>
+            <a:r>
+              <a:rPr lang="en-US" sz="1100" dirty="0" smtClean="0">
+                <a:latin typeface="Courier New" panose="02070309020205020404" pitchFamily="49" charset="0"/>
+                <a:cs typeface="Courier New" panose="02070309020205020404" pitchFamily="49" charset="0"/>
+              </a:rPr>
+              <a:t>/sources</a:t>
+            </a:r>
+          </a:p>
+          <a:p>
+            <a:r>
               <a:rPr lang="en-US" sz="1100" dirty="0">
                 <a:latin typeface="Courier New" panose="02070309020205020404" pitchFamily="49" charset="0"/>
                 <a:cs typeface="Courier New" panose="02070309020205020404" pitchFamily="49" charset="0"/>
               </a:rPr>
-              <a:t>h</a:t>
+              <a:t>d</a:t>
             </a:r>
             <a:r>
               <a:rPr lang="en-US" sz="1100" dirty="0" smtClean="0">
                 <a:latin typeface="Courier New" panose="02070309020205020404" pitchFamily="49" charset="0"/>
                 <a:cs typeface="Courier New" panose="02070309020205020404" pitchFamily="49" charset="0"/>
               </a:rPr>
-              <a:t>eading/module</a:t>
+              <a:t>ata/transform</a:t>
             </a:r>
           </a:p>
           <a:p>
@@ -5708,14 +5888,14 @@
                 <a:latin typeface="Courier New" panose="02070309020205020404" pitchFamily="49" charset="0"/>
                 <a:cs typeface="Courier New" panose="02070309020205020404" pitchFamily="49" charset="0"/>
               </a:rPr>
-              <a:t>d</a:t>
+              <a:t>s</a:t>
             </a:r>
             <a:r>
               <a:rPr lang="en-US" sz="1100" dirty="0" smtClean="0">
                 <a:latin typeface="Courier New" panose="02070309020205020404" pitchFamily="49" charset="0"/>
                 <a:cs typeface="Courier New" panose="02070309020205020404" pitchFamily="49" charset="0"/>
               </a:rPr>
-              <a:t>ata/sources</a:t>
+              <a:t>ummaries/graphical</a:t>
             </a:r>
           </a:p>
           <a:p>
@@ -5724,30 +5904,21 @@
                 <a:latin typeface="Courier New" panose="02070309020205020404" pitchFamily="49" charset="0"/>
                 <a:cs typeface="Courier New" panose="02070309020205020404" pitchFamily="49" charset="0"/>
               </a:rPr>
-              <a:t>d</a:t>
+              <a:t>s</a:t>
             </a:r>
             <a:r>
               <a:rPr lang="en-US" sz="1100" dirty="0" smtClean="0">
                 <a:latin typeface="Courier New" panose="02070309020205020404" pitchFamily="49" charset="0"/>
                 <a:cs typeface="Courier New" panose="02070309020205020404" pitchFamily="49" charset="0"/>
               </a:rPr>
-              <a:t>ata/transform</a:t>
-            </a:r>
-          </a:p>
-          <a:p>
-            <a:r>
-              <a:rPr lang="en-US" sz="1100" dirty="0">
-                <a:latin typeface="Courier New" panose="02070309020205020404" pitchFamily="49" charset="0"/>
-                <a:cs typeface="Courier New" panose="02070309020205020404" pitchFamily="49" charset="0"/>
-              </a:rPr>
-              <a:t>s</a:t>
+              <a:t>ummaries</a:t>
             </a:r>
             <a:r>
               <a:rPr lang="en-US" sz="1100" dirty="0" smtClean="0">
                 <a:latin typeface="Courier New" panose="02070309020205020404" pitchFamily="49" charset="0"/>
                 <a:cs typeface="Courier New" panose="02070309020205020404" pitchFamily="49" charset="0"/>
               </a:rPr>
-              <a:t>ummaries/graphical</a:t>
+              <a:t>/numerical</a:t>
             </a:r>
           </a:p>
           <a:p>
@@ -5756,55 +5927,39 @@
                 <a:latin typeface="Courier New" panose="02070309020205020404" pitchFamily="49" charset="0"/>
                 <a:cs typeface="Courier New" panose="02070309020205020404" pitchFamily="49" charset="0"/>
               </a:rPr>
-              <a:t>Summaries/numerical</a:t>
-            </a:r>
-          </a:p>
-          <a:p>
-            <a:r>
-              <a:rPr lang="en-US" sz="1100" dirty="0">
-                <a:latin typeface="Courier New" panose="02070309020205020404" pitchFamily="49" charset="0"/>
-                <a:cs typeface="Courier New" panose="02070309020205020404" pitchFamily="49" charset="0"/>
-              </a:rPr>
-              <a:t>s</a:t>
+              <a:t>inference/</a:t>
             </a:r>
             <a:r>
               <a:rPr lang="en-US" sz="1100" dirty="0" smtClean="0">
                 <a:latin typeface="Courier New" panose="02070309020205020404" pitchFamily="49" charset="0"/>
                 <a:cs typeface="Courier New" panose="02070309020205020404" pitchFamily="49" charset="0"/>
               </a:rPr>
-              <a:t>tatistics/contingency</a:t>
-            </a:r>
-          </a:p>
-          <a:p>
-            <a:r>
-              <a:rPr lang="en-US" sz="1100" dirty="0">
-                <a:latin typeface="Courier New" panose="02070309020205020404" pitchFamily="49" charset="0"/>
-                <a:cs typeface="Courier New" panose="02070309020205020404" pitchFamily="49" charset="0"/>
-              </a:rPr>
-              <a:t>s</a:t>
-            </a:r>
+              <a:t>contingency</a:t>
+            </a:r>
+          </a:p>
+          <a:p>
             <a:r>
               <a:rPr lang="en-US" sz="1100" dirty="0" smtClean="0">
                 <a:latin typeface="Courier New" panose="02070309020205020404" pitchFamily="49" charset="0"/>
                 <a:cs typeface="Courier New" panose="02070309020205020404" pitchFamily="49" charset="0"/>
               </a:rPr>
-              <a:t>tatistics/regression</a:t>
-            </a:r>
-          </a:p>
-          <a:p>
-            <a:r>
-              <a:rPr lang="en-US" sz="1100" dirty="0">
-                <a:latin typeface="Courier New" panose="02070309020205020404" pitchFamily="49" charset="0"/>
-                <a:cs typeface="Courier New" panose="02070309020205020404" pitchFamily="49" charset="0"/>
-              </a:rPr>
-              <a:t>s</a:t>
+              <a:t>inference/</a:t>
             </a:r>
             <a:r>
               <a:rPr lang="en-US" sz="1100" dirty="0" smtClean="0">
                 <a:latin typeface="Courier New" panose="02070309020205020404" pitchFamily="49" charset="0"/>
                 <a:cs typeface="Courier New" panose="02070309020205020404" pitchFamily="49" charset="0"/>
               </a:rPr>
-              <a:t>tatistics/</a:t>
+              <a:t>regression</a:t>
+            </a:r>
+          </a:p>
+          <a:p>
+            <a:r>
+              <a:rPr lang="en-US" sz="1100" dirty="0" smtClean="0">
+                <a:latin typeface="Courier New" panose="02070309020205020404" pitchFamily="49" charset="0"/>
+                <a:cs typeface="Courier New" panose="02070309020205020404" pitchFamily="49" charset="0"/>
+              </a:rPr>
+              <a:t>inference/</a:t>
             </a:r>
             <a:r>
               <a:rPr lang="en-US" sz="1100" dirty="0" err="1" smtClean="0">
@@ -5820,16 +5975,6 @@
           </a:p>
           <a:p>
             <a:r>
-              <a:rPr lang="en-US" sz="1100" dirty="0">
-                <a:solidFill>
-                  <a:srgbClr val="FF0000"/>
-                </a:solidFill>
-                <a:latin typeface="Courier New" panose="02070309020205020404" pitchFamily="49" charset="0"/>
-                <a:cs typeface="Courier New" panose="02070309020205020404" pitchFamily="49" charset="0"/>
-              </a:rPr>
-              <a:t>s</a:t>
-            </a:r>
-            <a:r>
               <a:rPr lang="en-US" sz="1100" dirty="0" smtClean="0">
                 <a:solidFill>
                   <a:srgbClr val="FF0000"/>
@@ -5837,7 +5982,17 @@
                 <a:latin typeface="Courier New" panose="02070309020205020404" pitchFamily="49" charset="0"/>
                 <a:cs typeface="Courier New" panose="02070309020205020404" pitchFamily="49" charset="0"/>
               </a:rPr>
-              <a:t>tatistics/nonparametric</a:t>
+              <a:t>inference/</a:t>
+            </a:r>
+            <a:r>
+              <a:rPr lang="en-US" sz="1100" dirty="0" smtClean="0">
+                <a:solidFill>
+                  <a:srgbClr val="FF0000"/>
+                </a:solidFill>
+                <a:latin typeface="Courier New" panose="02070309020205020404" pitchFamily="49" charset="0"/>
+                <a:cs typeface="Courier New" panose="02070309020205020404" pitchFamily="49" charset="0"/>
+              </a:rPr>
+              <a:t>nonparametric</a:t>
             </a:r>
             <a:endParaRPr lang="en-US" sz="1100" dirty="0">
               <a:solidFill>

--- a/jcgs-paper-2016/images/images.pptx
+++ b/jcgs-paper-2016/images/images.pptx
@@ -303,7 +303,7 @@
           <a:p>
             <a:fld id="{F74648D0-5642-438F-8F02-AC3B4D73B72D}" type="datetimeFigureOut">
               <a:rPr lang="en-US" smtClean="0"/>
-              <a:t>6/15/16</a:t>
+              <a:t>12/1/16</a:t>
             </a:fld>
             <a:endParaRPr lang="en-US"/>
           </a:p>
@@ -473,7 +473,7 @@
           <a:p>
             <a:fld id="{F74648D0-5642-438F-8F02-AC3B4D73B72D}" type="datetimeFigureOut">
               <a:rPr lang="en-US" smtClean="0"/>
-              <a:t>6/15/16</a:t>
+              <a:t>12/1/16</a:t>
             </a:fld>
             <a:endParaRPr lang="en-US"/>
           </a:p>
@@ -653,7 +653,7 @@
           <a:p>
             <a:fld id="{F74648D0-5642-438F-8F02-AC3B4D73B72D}" type="datetimeFigureOut">
               <a:rPr lang="en-US" smtClean="0"/>
-              <a:t>6/15/16</a:t>
+              <a:t>12/1/16</a:t>
             </a:fld>
             <a:endParaRPr lang="en-US"/>
           </a:p>
@@ -823,7 +823,7 @@
           <a:p>
             <a:fld id="{F74648D0-5642-438F-8F02-AC3B4D73B72D}" type="datetimeFigureOut">
               <a:rPr lang="en-US" smtClean="0"/>
-              <a:t>6/15/16</a:t>
+              <a:t>12/1/16</a:t>
             </a:fld>
             <a:endParaRPr lang="en-US"/>
           </a:p>
@@ -1069,7 +1069,7 @@
           <a:p>
             <a:fld id="{F74648D0-5642-438F-8F02-AC3B4D73B72D}" type="datetimeFigureOut">
               <a:rPr lang="en-US" smtClean="0"/>
-              <a:t>6/15/16</a:t>
+              <a:t>12/1/16</a:t>
             </a:fld>
             <a:endParaRPr lang="en-US"/>
           </a:p>
@@ -1357,7 +1357,7 @@
           <a:p>
             <a:fld id="{F74648D0-5642-438F-8F02-AC3B4D73B72D}" type="datetimeFigureOut">
               <a:rPr lang="en-US" smtClean="0"/>
-              <a:t>6/15/16</a:t>
+              <a:t>12/1/16</a:t>
             </a:fld>
             <a:endParaRPr lang="en-US"/>
           </a:p>
@@ -1779,7 +1779,7 @@
           <a:p>
             <a:fld id="{F74648D0-5642-438F-8F02-AC3B4D73B72D}" type="datetimeFigureOut">
               <a:rPr lang="en-US" smtClean="0"/>
-              <a:t>6/15/16</a:t>
+              <a:t>12/1/16</a:t>
             </a:fld>
             <a:endParaRPr lang="en-US"/>
           </a:p>
@@ -1897,7 +1897,7 @@
           <a:p>
             <a:fld id="{F74648D0-5642-438F-8F02-AC3B4D73B72D}" type="datetimeFigureOut">
               <a:rPr lang="en-US" smtClean="0"/>
-              <a:t>6/15/16</a:t>
+              <a:t>12/1/16</a:t>
             </a:fld>
             <a:endParaRPr lang="en-US"/>
           </a:p>
@@ -1992,7 +1992,7 @@
           <a:p>
             <a:fld id="{F74648D0-5642-438F-8F02-AC3B4D73B72D}" type="datetimeFigureOut">
               <a:rPr lang="en-US" smtClean="0"/>
-              <a:t>6/15/16</a:t>
+              <a:t>12/1/16</a:t>
             </a:fld>
             <a:endParaRPr lang="en-US"/>
           </a:p>
@@ -2269,7 +2269,7 @@
           <a:p>
             <a:fld id="{F74648D0-5642-438F-8F02-AC3B4D73B72D}" type="datetimeFigureOut">
               <a:rPr lang="en-US" smtClean="0"/>
-              <a:t>6/15/16</a:t>
+              <a:t>12/1/16</a:t>
             </a:fld>
             <a:endParaRPr lang="en-US"/>
           </a:p>
@@ -2522,7 +2522,7 @@
           <a:p>
             <a:fld id="{F74648D0-5642-438F-8F02-AC3B4D73B72D}" type="datetimeFigureOut">
               <a:rPr lang="en-US" smtClean="0"/>
-              <a:t>6/15/16</a:t>
+              <a:t>12/1/16</a:t>
             </a:fld>
             <a:endParaRPr lang="en-US"/>
           </a:p>
@@ -2735,7 +2735,7 @@
           <a:p>
             <a:fld id="{F74648D0-5642-438F-8F02-AC3B4D73B72D}" type="datetimeFigureOut">
               <a:rPr lang="en-US" smtClean="0"/>
-              <a:t>6/15/16</a:t>
+              <a:t>12/1/16</a:t>
             </a:fld>
             <a:endParaRPr lang="en-US"/>
           </a:p>
@@ -3463,7 +3463,28 @@
                 <a:latin typeface="Courier New" panose="02070309020205020404" pitchFamily="49" charset="0"/>
                 <a:cs typeface="Courier New" panose="02070309020205020404" pitchFamily="49" charset="0"/>
               </a:rPr>
-              <a:t>function(session, input, output) {</a:t>
+              <a:t>Function(input</a:t>
+            </a:r>
+            <a:r>
+              <a:rPr lang="en-US" sz="1100" dirty="0" smtClean="0">
+                <a:latin typeface="Courier New" panose="02070309020205020404" pitchFamily="49" charset="0"/>
+                <a:cs typeface="Courier New" panose="02070309020205020404" pitchFamily="49" charset="0"/>
+              </a:rPr>
+              <a:t>, </a:t>
+            </a:r>
+            <a:r>
+              <a:rPr lang="en-US" sz="1100" dirty="0" smtClean="0">
+                <a:latin typeface="Courier New" panose="02070309020205020404" pitchFamily="49" charset="0"/>
+                <a:cs typeface="Courier New" panose="02070309020205020404" pitchFamily="49" charset="0"/>
+              </a:rPr>
+              <a:t>output, session) </a:t>
+            </a:r>
+            <a:r>
+              <a:rPr lang="en-US" sz="1100" dirty="0" smtClean="0">
+                <a:latin typeface="Courier New" panose="02070309020205020404" pitchFamily="49" charset="0"/>
+                <a:cs typeface="Courier New" panose="02070309020205020404" pitchFamily="49" charset="0"/>
+              </a:rPr>
+              <a:t>{</a:t>
             </a:r>
           </a:p>
           <a:p>
@@ -5204,10 +5225,6 @@
               </a:rPr>
               <a:t>}</a:t>
             </a:r>
-            <a:endParaRPr lang="en-US" sz="900" dirty="0">
-              <a:latin typeface="Courier New" panose="02070309020205020404" pitchFamily="49" charset="0"/>
-              <a:cs typeface="Courier New" panose="02070309020205020404" pitchFamily="49" charset="0"/>
-            </a:endParaRPr>
           </a:p>
         </p:txBody>
       </p:sp>
@@ -5244,20 +5261,7 @@
                 <a:latin typeface="Cambria Math" panose="02040503050406030204" pitchFamily="18" charset="0"/>
                 <a:ea typeface="Cambria Math" panose="02040503050406030204" pitchFamily="18" charset="0"/>
               </a:rPr>
-              <a:t>inference/</a:t>
-            </a:r>
-            <a:r>
-              <a:rPr lang="en-US" sz="1400" dirty="0" smtClean="0">
-                <a:solidFill>
-                  <a:schemeClr val="tx1">
-                    <a:lumMod val="65000"/>
-                    <a:lumOff val="35000"/>
-                  </a:schemeClr>
-                </a:solidFill>
-                <a:latin typeface="Cambria Math" panose="02040503050406030204" pitchFamily="18" charset="0"/>
-                <a:ea typeface="Cambria Math" panose="02040503050406030204" pitchFamily="18" charset="0"/>
-              </a:rPr>
-              <a:t>nonparametric/</a:t>
+              <a:t>inference/nonparametric/</a:t>
             </a:r>
             <a:endParaRPr lang="en-US" sz="1400" dirty="0">
               <a:solidFill>
@@ -5305,20 +5309,7 @@
                 <a:latin typeface="Cambria Math" panose="02040503050406030204" pitchFamily="18" charset="0"/>
                 <a:ea typeface="Cambria Math" panose="02040503050406030204" pitchFamily="18" charset="0"/>
               </a:rPr>
-              <a:t>inference/</a:t>
-            </a:r>
-            <a:r>
-              <a:rPr lang="en-US" sz="1400" dirty="0" smtClean="0">
-                <a:solidFill>
-                  <a:schemeClr val="tx1">
-                    <a:lumMod val="65000"/>
-                    <a:lumOff val="35000"/>
-                  </a:schemeClr>
-                </a:solidFill>
-                <a:latin typeface="Cambria Math" panose="02040503050406030204" pitchFamily="18" charset="0"/>
-                <a:ea typeface="Cambria Math" panose="02040503050406030204" pitchFamily="18" charset="0"/>
-              </a:rPr>
-              <a:t>nonparametric/</a:t>
+              <a:t>inference/nonparametric/</a:t>
             </a:r>
             <a:endParaRPr lang="en-US" sz="1400" dirty="0">
               <a:solidFill>
@@ -5856,14 +5847,23 @@
                 <a:latin typeface="Courier New" panose="02070309020205020404" pitchFamily="49" charset="0"/>
                 <a:cs typeface="Courier New" panose="02070309020205020404" pitchFamily="49" charset="0"/>
               </a:rPr>
-              <a:t>data</a:t>
+              <a:t>data/sources</a:t>
+            </a:r>
+          </a:p>
+          <a:p>
+            <a:r>
+              <a:rPr lang="en-US" sz="1100" dirty="0">
+                <a:latin typeface="Courier New" panose="02070309020205020404" pitchFamily="49" charset="0"/>
+                <a:cs typeface="Courier New" panose="02070309020205020404" pitchFamily="49" charset="0"/>
+              </a:rPr>
+              <a:t>d</a:t>
             </a:r>
             <a:r>
               <a:rPr lang="en-US" sz="1100" dirty="0" smtClean="0">
                 <a:latin typeface="Courier New" panose="02070309020205020404" pitchFamily="49" charset="0"/>
                 <a:cs typeface="Courier New" panose="02070309020205020404" pitchFamily="49" charset="0"/>
               </a:rPr>
-              <a:t>/sources</a:t>
+              <a:t>ata/transform</a:t>
             </a:r>
           </a:p>
           <a:p>
@@ -5872,14 +5872,14 @@
                 <a:latin typeface="Courier New" panose="02070309020205020404" pitchFamily="49" charset="0"/>
                 <a:cs typeface="Courier New" panose="02070309020205020404" pitchFamily="49" charset="0"/>
               </a:rPr>
-              <a:t>d</a:t>
+              <a:t>s</a:t>
             </a:r>
             <a:r>
               <a:rPr lang="en-US" sz="1100" dirty="0" smtClean="0">
                 <a:latin typeface="Courier New" panose="02070309020205020404" pitchFamily="49" charset="0"/>
                 <a:cs typeface="Courier New" panose="02070309020205020404" pitchFamily="49" charset="0"/>
               </a:rPr>
-              <a:t>ata/transform</a:t>
+              <a:t>ummaries/graphical</a:t>
             </a:r>
           </a:p>
           <a:p>
@@ -5895,62 +5895,25 @@
                 <a:latin typeface="Courier New" panose="02070309020205020404" pitchFamily="49" charset="0"/>
                 <a:cs typeface="Courier New" panose="02070309020205020404" pitchFamily="49" charset="0"/>
               </a:rPr>
-              <a:t>ummaries/graphical</a:t>
-            </a:r>
-          </a:p>
-          <a:p>
-            <a:r>
-              <a:rPr lang="en-US" sz="1100" dirty="0">
-                <a:latin typeface="Courier New" panose="02070309020205020404" pitchFamily="49" charset="0"/>
-                <a:cs typeface="Courier New" panose="02070309020205020404" pitchFamily="49" charset="0"/>
-              </a:rPr>
-              <a:t>s</a:t>
-            </a:r>
+              <a:t>ummaries/numerical</a:t>
+            </a:r>
+          </a:p>
+          <a:p>
             <a:r>
               <a:rPr lang="en-US" sz="1100" dirty="0" smtClean="0">
                 <a:latin typeface="Courier New" panose="02070309020205020404" pitchFamily="49" charset="0"/>
                 <a:cs typeface="Courier New" panose="02070309020205020404" pitchFamily="49" charset="0"/>
               </a:rPr>
-              <a:t>ummaries</a:t>
-            </a:r>
+              <a:t>inference/contingency</a:t>
+            </a:r>
+          </a:p>
+          <a:p>
             <a:r>
               <a:rPr lang="en-US" sz="1100" dirty="0" smtClean="0">
                 <a:latin typeface="Courier New" panose="02070309020205020404" pitchFamily="49" charset="0"/>
                 <a:cs typeface="Courier New" panose="02070309020205020404" pitchFamily="49" charset="0"/>
               </a:rPr>
-              <a:t>/numerical</a:t>
-            </a:r>
-          </a:p>
-          <a:p>
-            <a:r>
-              <a:rPr lang="en-US" sz="1100" dirty="0" smtClean="0">
-                <a:latin typeface="Courier New" panose="02070309020205020404" pitchFamily="49" charset="0"/>
-                <a:cs typeface="Courier New" panose="02070309020205020404" pitchFamily="49" charset="0"/>
-              </a:rPr>
-              <a:t>inference/</a:t>
-            </a:r>
-            <a:r>
-              <a:rPr lang="en-US" sz="1100" dirty="0" smtClean="0">
-                <a:latin typeface="Courier New" panose="02070309020205020404" pitchFamily="49" charset="0"/>
-                <a:cs typeface="Courier New" panose="02070309020205020404" pitchFamily="49" charset="0"/>
-              </a:rPr>
-              <a:t>contingency</a:t>
-            </a:r>
-          </a:p>
-          <a:p>
-            <a:r>
-              <a:rPr lang="en-US" sz="1100" dirty="0" smtClean="0">
-                <a:latin typeface="Courier New" panose="02070309020205020404" pitchFamily="49" charset="0"/>
-                <a:cs typeface="Courier New" panose="02070309020205020404" pitchFamily="49" charset="0"/>
-              </a:rPr>
-              <a:t>inference/</a:t>
-            </a:r>
-            <a:r>
-              <a:rPr lang="en-US" sz="1100" dirty="0" smtClean="0">
-                <a:latin typeface="Courier New" panose="02070309020205020404" pitchFamily="49" charset="0"/>
-                <a:cs typeface="Courier New" panose="02070309020205020404" pitchFamily="49" charset="0"/>
-              </a:rPr>
-              <a:t>regression</a:t>
+              <a:t>inference/regression</a:t>
             </a:r>
           </a:p>
           <a:p>
@@ -5982,17 +5945,7 @@
                 <a:latin typeface="Courier New" panose="02070309020205020404" pitchFamily="49" charset="0"/>
                 <a:cs typeface="Courier New" panose="02070309020205020404" pitchFamily="49" charset="0"/>
               </a:rPr>
-              <a:t>inference/</a:t>
-            </a:r>
-            <a:r>
-              <a:rPr lang="en-US" sz="1100" dirty="0" smtClean="0">
-                <a:solidFill>
-                  <a:srgbClr val="FF0000"/>
-                </a:solidFill>
-                <a:latin typeface="Courier New" panose="02070309020205020404" pitchFamily="49" charset="0"/>
-                <a:cs typeface="Courier New" panose="02070309020205020404" pitchFamily="49" charset="0"/>
-              </a:rPr>
-              <a:t>nonparametric</a:t>
+              <a:t>inference/nonparametric</a:t>
             </a:r>
             <a:endParaRPr lang="en-US" sz="1100" dirty="0">
               <a:solidFill>
